--- a/paper.pptx
+++ b/paper.pptx
@@ -4,6 +4,9 @@
   <p:sldMasterIdLst>
     <p:sldMasterId id="2147483648" r:id="rId1"/>
   </p:sldMasterIdLst>
+  <p:notesMasterIdLst>
+    <p:notesMasterId r:id="rId23"/>
+  </p:notesMasterIdLst>
   <p:sldIdLst>
     <p:sldId id="256" r:id="rId2"/>
     <p:sldId id="257" r:id="rId3"/>
@@ -24,8 +27,8 @@
     <p:sldId id="273" r:id="rId18"/>
     <p:sldId id="274" r:id="rId19"/>
     <p:sldId id="275" r:id="rId20"/>
-    <p:sldId id="276" r:id="rId21"/>
-    <p:sldId id="264" r:id="rId22"/>
+    <p:sldId id="264" r:id="rId21"/>
+    <p:sldId id="276" r:id="rId22"/>
   </p:sldIdLst>
   <p:sldSz cx="12192000" cy="6858000"/>
   <p:notesSz cx="6858000" cy="9144000"/>
@@ -124,7 +127,362 @@
       </a:defRPr>
     </a:lvl9pPr>
   </p:defaultTextStyle>
+  <p:extLst>
+    <p:ext uri="{EFAFB233-063F-42B5-8137-9DF3F51BA10A}">
+      <p15:sldGuideLst xmlns:p15="http://schemas.microsoft.com/office/powerpoint/2012/main"/>
+    </p:ext>
+  </p:extLst>
 </p:presentation>
+</file>
+
+<file path=ppt/notesMasters/notesMaster1.xml><?xml version="1.0" encoding="utf-8"?>
+<p:notesMaster xmlns:a="http://schemas.openxmlformats.org/drawingml/2006/main" xmlns:r="http://schemas.openxmlformats.org/officeDocument/2006/relationships" xmlns:p="http://schemas.openxmlformats.org/presentationml/2006/main">
+  <p:cSld>
+    <p:bg>
+      <p:bgRef idx="1001">
+        <a:schemeClr val="bg1"/>
+      </p:bgRef>
+    </p:bg>
+    <p:spTree>
+      <p:nvGrpSpPr>
+        <p:cNvPr id="1" name=""/>
+        <p:cNvGrpSpPr/>
+        <p:nvPr/>
+      </p:nvGrpSpPr>
+      <p:grpSpPr>
+        <a:xfrm>
+          <a:off x="0" y="0"/>
+          <a:ext cx="0" cy="0"/>
+          <a:chOff x="0" y="0"/>
+          <a:chExt cx="0" cy="0"/>
+        </a:xfrm>
+      </p:grpSpPr>
+      <p:sp>
+        <p:nvSpPr>
+          <p:cNvPr id="2" name="Верхний колонтитул 1"/>
+          <p:cNvSpPr>
+            <a:spLocks noGrp="1"/>
+          </p:cNvSpPr>
+          <p:nvPr>
+            <p:ph type="hdr" sz="quarter"/>
+          </p:nvPr>
+        </p:nvSpPr>
+        <p:spPr>
+          <a:xfrm>
+            <a:off x="0" y="0"/>
+            <a:ext cx="2971800" cy="458788"/>
+          </a:xfrm>
+          <a:prstGeom prst="rect">
+            <a:avLst/>
+          </a:prstGeom>
+        </p:spPr>
+        <p:txBody>
+          <a:bodyPr vert="horz" lIns="91440" tIns="45720" rIns="91440" bIns="45720" rtlCol="0"/>
+          <a:lstStyle>
+            <a:lvl1pPr algn="l">
+              <a:defRPr sz="1200"/>
+            </a:lvl1pPr>
+          </a:lstStyle>
+          <a:p>
+            <a:endParaRPr lang="ru-RU"/>
+          </a:p>
+        </p:txBody>
+      </p:sp>
+      <p:sp>
+        <p:nvSpPr>
+          <p:cNvPr id="3" name="Дата 2"/>
+          <p:cNvSpPr>
+            <a:spLocks noGrp="1"/>
+          </p:cNvSpPr>
+          <p:nvPr>
+            <p:ph type="dt" idx="1"/>
+          </p:nvPr>
+        </p:nvSpPr>
+        <p:spPr>
+          <a:xfrm>
+            <a:off x="3884613" y="0"/>
+            <a:ext cx="2971800" cy="458788"/>
+          </a:xfrm>
+          <a:prstGeom prst="rect">
+            <a:avLst/>
+          </a:prstGeom>
+        </p:spPr>
+        <p:txBody>
+          <a:bodyPr vert="horz" lIns="91440" tIns="45720" rIns="91440" bIns="45720" rtlCol="0"/>
+          <a:lstStyle>
+            <a:lvl1pPr algn="r">
+              <a:defRPr sz="1200"/>
+            </a:lvl1pPr>
+          </a:lstStyle>
+          <a:p>
+            <a:fld id="{6E07A567-6C17-449C-B87F-F0342EFFF9F8}" type="datetimeFigureOut">
+              <a:rPr lang="ru-RU" smtClean="0"/>
+              <a:t>29.02.2020</a:t>
+            </a:fld>
+            <a:endParaRPr lang="ru-RU"/>
+          </a:p>
+        </p:txBody>
+      </p:sp>
+      <p:sp>
+        <p:nvSpPr>
+          <p:cNvPr id="4" name="Образ слайда 3"/>
+          <p:cNvSpPr>
+            <a:spLocks noGrp="1" noRot="1" noChangeAspect="1"/>
+          </p:cNvSpPr>
+          <p:nvPr>
+            <p:ph type="sldImg" idx="2"/>
+          </p:nvPr>
+        </p:nvSpPr>
+        <p:spPr>
+          <a:xfrm>
+            <a:off x="685800" y="1143000"/>
+            <a:ext cx="5486400" cy="3086100"/>
+          </a:xfrm>
+          <a:prstGeom prst="rect">
+            <a:avLst/>
+          </a:prstGeom>
+          <a:noFill/>
+          <a:ln w="12700">
+            <a:solidFill>
+              <a:prstClr val="black"/>
+            </a:solidFill>
+          </a:ln>
+        </p:spPr>
+        <p:txBody>
+          <a:bodyPr vert="horz" lIns="91440" tIns="45720" rIns="91440" bIns="45720" rtlCol="0" anchor="ctr"/>
+          <a:lstStyle/>
+          <a:p>
+            <a:endParaRPr lang="ru-RU"/>
+          </a:p>
+        </p:txBody>
+      </p:sp>
+      <p:sp>
+        <p:nvSpPr>
+          <p:cNvPr id="5" name="Заметки 4"/>
+          <p:cNvSpPr>
+            <a:spLocks noGrp="1"/>
+          </p:cNvSpPr>
+          <p:nvPr>
+            <p:ph type="body" sz="quarter" idx="3"/>
+          </p:nvPr>
+        </p:nvSpPr>
+        <p:spPr>
+          <a:xfrm>
+            <a:off x="685800" y="4400550"/>
+            <a:ext cx="5486400" cy="3600450"/>
+          </a:xfrm>
+          <a:prstGeom prst="rect">
+            <a:avLst/>
+          </a:prstGeom>
+        </p:spPr>
+        <p:txBody>
+          <a:bodyPr vert="horz" lIns="91440" tIns="45720" rIns="91440" bIns="45720" rtlCol="0"/>
+          <a:lstStyle/>
+          <a:p>
+            <a:pPr lvl="0"/>
+            <a:r>
+              <a:rPr lang="ru-RU" smtClean="0"/>
+              <a:t>Образец текста</a:t>
+            </a:r>
+          </a:p>
+          <a:p>
+            <a:pPr lvl="1"/>
+            <a:r>
+              <a:rPr lang="ru-RU" smtClean="0"/>
+              <a:t>Второй уровень</a:t>
+            </a:r>
+          </a:p>
+          <a:p>
+            <a:pPr lvl="2"/>
+            <a:r>
+              <a:rPr lang="ru-RU" smtClean="0"/>
+              <a:t>Третий уровень</a:t>
+            </a:r>
+          </a:p>
+          <a:p>
+            <a:pPr lvl="3"/>
+            <a:r>
+              <a:rPr lang="ru-RU" smtClean="0"/>
+              <a:t>Четвертый уровень</a:t>
+            </a:r>
+          </a:p>
+          <a:p>
+            <a:pPr lvl="4"/>
+            <a:r>
+              <a:rPr lang="ru-RU" smtClean="0"/>
+              <a:t>Пятый уровень</a:t>
+            </a:r>
+            <a:endParaRPr lang="ru-RU"/>
+          </a:p>
+        </p:txBody>
+      </p:sp>
+      <p:sp>
+        <p:nvSpPr>
+          <p:cNvPr id="6" name="Нижний колонтитул 5"/>
+          <p:cNvSpPr>
+            <a:spLocks noGrp="1"/>
+          </p:cNvSpPr>
+          <p:nvPr>
+            <p:ph type="ftr" sz="quarter" idx="4"/>
+          </p:nvPr>
+        </p:nvSpPr>
+        <p:spPr>
+          <a:xfrm>
+            <a:off x="0" y="8685213"/>
+            <a:ext cx="2971800" cy="458787"/>
+          </a:xfrm>
+          <a:prstGeom prst="rect">
+            <a:avLst/>
+          </a:prstGeom>
+        </p:spPr>
+        <p:txBody>
+          <a:bodyPr vert="horz" lIns="91440" tIns="45720" rIns="91440" bIns="45720" rtlCol="0" anchor="b"/>
+          <a:lstStyle>
+            <a:lvl1pPr algn="l">
+              <a:defRPr sz="1200"/>
+            </a:lvl1pPr>
+          </a:lstStyle>
+          <a:p>
+            <a:endParaRPr lang="ru-RU"/>
+          </a:p>
+        </p:txBody>
+      </p:sp>
+      <p:sp>
+        <p:nvSpPr>
+          <p:cNvPr id="7" name="Номер слайда 6"/>
+          <p:cNvSpPr>
+            <a:spLocks noGrp="1"/>
+          </p:cNvSpPr>
+          <p:nvPr>
+            <p:ph type="sldNum" sz="quarter" idx="5"/>
+          </p:nvPr>
+        </p:nvSpPr>
+        <p:spPr>
+          <a:xfrm>
+            <a:off x="3884613" y="8685213"/>
+            <a:ext cx="2971800" cy="458787"/>
+          </a:xfrm>
+          <a:prstGeom prst="rect">
+            <a:avLst/>
+          </a:prstGeom>
+        </p:spPr>
+        <p:txBody>
+          <a:bodyPr vert="horz" lIns="91440" tIns="45720" rIns="91440" bIns="45720" rtlCol="0" anchor="b"/>
+          <a:lstStyle>
+            <a:lvl1pPr algn="r">
+              <a:defRPr sz="1200"/>
+            </a:lvl1pPr>
+          </a:lstStyle>
+          <a:p>
+            <a:fld id="{970D56F6-0333-4F55-86D8-CEF077D1DDD2}" type="slidenum">
+              <a:rPr lang="ru-RU" smtClean="0"/>
+              <a:t>‹#›</a:t>
+            </a:fld>
+            <a:endParaRPr lang="ru-RU"/>
+          </a:p>
+        </p:txBody>
+      </p:sp>
+    </p:spTree>
+    <p:extLst>
+      <p:ext uri="{BB962C8B-B14F-4D97-AF65-F5344CB8AC3E}">
+        <p14:creationId xmlns:p14="http://schemas.microsoft.com/office/powerpoint/2010/main" val="1844602124"/>
+      </p:ext>
+    </p:extLst>
+  </p:cSld>
+  <p:clrMap bg1="lt1" tx1="dk1" bg2="lt2" tx2="dk2" accent1="accent1" accent2="accent2" accent3="accent3" accent4="accent4" accent5="accent5" accent6="accent6" hlink="hlink" folHlink="folHlink"/>
+  <p:notesStyle>
+    <a:lvl1pPr marL="0" algn="l" defTabSz="914400" rtl="0" eaLnBrk="1" latinLnBrk="0" hangingPunct="1">
+      <a:defRPr sz="1200" kern="1200">
+        <a:solidFill>
+          <a:schemeClr val="tx1"/>
+        </a:solidFill>
+        <a:latin typeface="+mn-lt"/>
+        <a:ea typeface="+mn-ea"/>
+        <a:cs typeface="+mn-cs"/>
+      </a:defRPr>
+    </a:lvl1pPr>
+    <a:lvl2pPr marL="457200" algn="l" defTabSz="914400" rtl="0" eaLnBrk="1" latinLnBrk="0" hangingPunct="1">
+      <a:defRPr sz="1200" kern="1200">
+        <a:solidFill>
+          <a:schemeClr val="tx1"/>
+        </a:solidFill>
+        <a:latin typeface="+mn-lt"/>
+        <a:ea typeface="+mn-ea"/>
+        <a:cs typeface="+mn-cs"/>
+      </a:defRPr>
+    </a:lvl2pPr>
+    <a:lvl3pPr marL="914400" algn="l" defTabSz="914400" rtl="0" eaLnBrk="1" latinLnBrk="0" hangingPunct="1">
+      <a:defRPr sz="1200" kern="1200">
+        <a:solidFill>
+          <a:schemeClr val="tx1"/>
+        </a:solidFill>
+        <a:latin typeface="+mn-lt"/>
+        <a:ea typeface="+mn-ea"/>
+        <a:cs typeface="+mn-cs"/>
+      </a:defRPr>
+    </a:lvl3pPr>
+    <a:lvl4pPr marL="1371600" algn="l" defTabSz="914400" rtl="0" eaLnBrk="1" latinLnBrk="0" hangingPunct="1">
+      <a:defRPr sz="1200" kern="1200">
+        <a:solidFill>
+          <a:schemeClr val="tx1"/>
+        </a:solidFill>
+        <a:latin typeface="+mn-lt"/>
+        <a:ea typeface="+mn-ea"/>
+        <a:cs typeface="+mn-cs"/>
+      </a:defRPr>
+    </a:lvl4pPr>
+    <a:lvl5pPr marL="1828800" algn="l" defTabSz="914400" rtl="0" eaLnBrk="1" latinLnBrk="0" hangingPunct="1">
+      <a:defRPr sz="1200" kern="1200">
+        <a:solidFill>
+          <a:schemeClr val="tx1"/>
+        </a:solidFill>
+        <a:latin typeface="+mn-lt"/>
+        <a:ea typeface="+mn-ea"/>
+        <a:cs typeface="+mn-cs"/>
+      </a:defRPr>
+    </a:lvl5pPr>
+    <a:lvl6pPr marL="2286000" algn="l" defTabSz="914400" rtl="0" eaLnBrk="1" latinLnBrk="0" hangingPunct="1">
+      <a:defRPr sz="1200" kern="1200">
+        <a:solidFill>
+          <a:schemeClr val="tx1"/>
+        </a:solidFill>
+        <a:latin typeface="+mn-lt"/>
+        <a:ea typeface="+mn-ea"/>
+        <a:cs typeface="+mn-cs"/>
+      </a:defRPr>
+    </a:lvl6pPr>
+    <a:lvl7pPr marL="2743200" algn="l" defTabSz="914400" rtl="0" eaLnBrk="1" latinLnBrk="0" hangingPunct="1">
+      <a:defRPr sz="1200" kern="1200">
+        <a:solidFill>
+          <a:schemeClr val="tx1"/>
+        </a:solidFill>
+        <a:latin typeface="+mn-lt"/>
+        <a:ea typeface="+mn-ea"/>
+        <a:cs typeface="+mn-cs"/>
+      </a:defRPr>
+    </a:lvl7pPr>
+    <a:lvl8pPr marL="3200400" algn="l" defTabSz="914400" rtl="0" eaLnBrk="1" latinLnBrk="0" hangingPunct="1">
+      <a:defRPr sz="1200" kern="1200">
+        <a:solidFill>
+          <a:schemeClr val="tx1"/>
+        </a:solidFill>
+        <a:latin typeface="+mn-lt"/>
+        <a:ea typeface="+mn-ea"/>
+        <a:cs typeface="+mn-cs"/>
+      </a:defRPr>
+    </a:lvl8pPr>
+    <a:lvl9pPr marL="3657600" algn="l" defTabSz="914400" rtl="0" eaLnBrk="1" latinLnBrk="0" hangingPunct="1">
+      <a:defRPr sz="1200" kern="1200">
+        <a:solidFill>
+          <a:schemeClr val="tx1"/>
+        </a:solidFill>
+        <a:latin typeface="+mn-lt"/>
+        <a:ea typeface="+mn-ea"/>
+        <a:cs typeface="+mn-cs"/>
+      </a:defRPr>
+    </a:lvl9pPr>
+  </p:notesStyle>
+</p:notesMaster>
 </file>
 
 <file path=ppt/slideLayouts/slideLayout1.xml><?xml version="1.0" encoding="utf-8"?>
@@ -272,7 +630,7 @@
           <a:bodyPr/>
           <a:lstStyle/>
           <a:p>
-            <a:fld id="{F2588BA5-BE99-4376-A3E8-BF71322B0186}" type="datetimeFigureOut">
+            <a:fld id="{7019B5A5-FE69-4867-88F5-98214A56D7B4}" type="datetime1">
               <a:rPr lang="ru-RU" smtClean="0"/>
               <a:t>29.02.2020</a:t>
             </a:fld>
@@ -470,7 +828,7 @@
           <a:bodyPr/>
           <a:lstStyle/>
           <a:p>
-            <a:fld id="{F2588BA5-BE99-4376-A3E8-BF71322B0186}" type="datetimeFigureOut">
+            <a:fld id="{05574EA0-A9A7-4DBE-8299-40B58E05FEC1}" type="datetime1">
               <a:rPr lang="ru-RU" smtClean="0"/>
               <a:t>29.02.2020</a:t>
             </a:fld>
@@ -678,7 +1036,7 @@
           <a:bodyPr/>
           <a:lstStyle/>
           <a:p>
-            <a:fld id="{F2588BA5-BE99-4376-A3E8-BF71322B0186}" type="datetimeFigureOut">
+            <a:fld id="{109D450C-6795-4E9F-9997-25BDFC76B03A}" type="datetime1">
               <a:rPr lang="ru-RU" smtClean="0"/>
               <a:t>29.02.2020</a:t>
             </a:fld>
@@ -876,7 +1234,7 @@
           <a:bodyPr/>
           <a:lstStyle/>
           <a:p>
-            <a:fld id="{F2588BA5-BE99-4376-A3E8-BF71322B0186}" type="datetimeFigureOut">
+            <a:fld id="{CC5462AC-CB95-490E-B3A4-D65F4A1CBD57}" type="datetime1">
               <a:rPr lang="ru-RU" smtClean="0"/>
               <a:t>29.02.2020</a:t>
             </a:fld>
@@ -1151,7 +1509,7 @@
           <a:bodyPr/>
           <a:lstStyle/>
           <a:p>
-            <a:fld id="{F2588BA5-BE99-4376-A3E8-BF71322B0186}" type="datetimeFigureOut">
+            <a:fld id="{F4B1BC09-C822-4283-8952-07424537585F}" type="datetime1">
               <a:rPr lang="ru-RU" smtClean="0"/>
               <a:t>29.02.2020</a:t>
             </a:fld>
@@ -1416,7 +1774,7 @@
           <a:bodyPr/>
           <a:lstStyle/>
           <a:p>
-            <a:fld id="{F2588BA5-BE99-4376-A3E8-BF71322B0186}" type="datetimeFigureOut">
+            <a:fld id="{D74E1495-A353-4B9E-B161-395550928EA0}" type="datetime1">
               <a:rPr lang="ru-RU" smtClean="0"/>
               <a:t>29.02.2020</a:t>
             </a:fld>
@@ -1828,7 +2186,7 @@
           <a:bodyPr/>
           <a:lstStyle/>
           <a:p>
-            <a:fld id="{F2588BA5-BE99-4376-A3E8-BF71322B0186}" type="datetimeFigureOut">
+            <a:fld id="{512BA696-D859-4499-93E2-D8D4A644D4B1}" type="datetime1">
               <a:rPr lang="ru-RU" smtClean="0"/>
               <a:t>29.02.2020</a:t>
             </a:fld>
@@ -1969,7 +2327,7 @@
           <a:bodyPr/>
           <a:lstStyle/>
           <a:p>
-            <a:fld id="{F2588BA5-BE99-4376-A3E8-BF71322B0186}" type="datetimeFigureOut">
+            <a:fld id="{9F146C43-0A4E-4C67-BCCC-9E3F654D66FE}" type="datetime1">
               <a:rPr lang="ru-RU" smtClean="0"/>
               <a:t>29.02.2020</a:t>
             </a:fld>
@@ -2082,7 +2440,7 @@
           <a:bodyPr/>
           <a:lstStyle/>
           <a:p>
-            <a:fld id="{F2588BA5-BE99-4376-A3E8-BF71322B0186}" type="datetimeFigureOut">
+            <a:fld id="{8DE410B0-E6E5-4BBE-AFD1-1B382101E013}" type="datetime1">
               <a:rPr lang="ru-RU" smtClean="0"/>
               <a:t>29.02.2020</a:t>
             </a:fld>
@@ -2393,7 +2751,7 @@
           <a:bodyPr/>
           <a:lstStyle/>
           <a:p>
-            <a:fld id="{F2588BA5-BE99-4376-A3E8-BF71322B0186}" type="datetimeFigureOut">
+            <a:fld id="{5810C009-3915-49F0-91AA-0AC0E553A4FC}" type="datetime1">
               <a:rPr lang="ru-RU" smtClean="0"/>
               <a:t>29.02.2020</a:t>
             </a:fld>
@@ -2681,7 +3039,7 @@
           <a:bodyPr/>
           <a:lstStyle/>
           <a:p>
-            <a:fld id="{F2588BA5-BE99-4376-A3E8-BF71322B0186}" type="datetimeFigureOut">
+            <a:fld id="{1F411818-83BA-420D-A3FA-D72667B12CA4}" type="datetime1">
               <a:rPr lang="ru-RU" smtClean="0"/>
               <a:t>29.02.2020</a:t>
             </a:fld>
@@ -2922,7 +3280,7 @@
             </a:lvl1pPr>
           </a:lstStyle>
           <a:p>
-            <a:fld id="{F2588BA5-BE99-4376-A3E8-BF71322B0186}" type="datetimeFigureOut">
+            <a:fld id="{A85351E2-CDC3-493A-AD9F-37B687449629}" type="datetime1">
               <a:rPr lang="ru-RU" smtClean="0"/>
               <a:t>29.02.2020</a:t>
             </a:fld>
@@ -3041,6 +3399,7 @@
     <p:sldLayoutId id="2147483658" r:id="rId10"/>
     <p:sldLayoutId id="2147483659" r:id="rId11"/>
   </p:sldLayoutIdLst>
+  <p:hf hdr="0" ftr="0" dt="0"/>
   <p:txStyles>
     <p:titleStyle>
       <a:lvl1pPr algn="l" defTabSz="914400" rtl="0" eaLnBrk="1" latinLnBrk="0" hangingPunct="1">
@@ -3372,7 +3731,10 @@
             <a:r>
               <a:rPr lang="en-US" dirty="0">
                 <a:solidFill>
-                  <a:schemeClr val="bg1"/>
+                  <a:schemeClr val="tx1">
+                    <a:lumMod val="95000"/>
+                    <a:lumOff val="5000"/>
+                  </a:schemeClr>
                 </a:solidFill>
               </a:rPr>
               <a:t>Stiffness</a:t>
@@ -3380,7 +3742,10 @@
             <a:r>
               <a:rPr lang="ru-RU" dirty="0">
                 <a:solidFill>
-                  <a:schemeClr val="bg1"/>
+                  <a:schemeClr val="tx1">
+                    <a:lumMod val="95000"/>
+                    <a:lumOff val="5000"/>
+                  </a:schemeClr>
                 </a:solidFill>
               </a:rPr>
               <a:t> </a:t>
@@ -3388,7 +3753,10 @@
             <a:r>
               <a:rPr lang="en-US" dirty="0">
                 <a:solidFill>
-                  <a:schemeClr val="bg1"/>
+                  <a:schemeClr val="tx1">
+                    <a:lumMod val="95000"/>
+                    <a:lumOff val="5000"/>
+                  </a:schemeClr>
                 </a:solidFill>
               </a:rPr>
               <a:t>feasible</a:t>
@@ -3396,7 +3764,10 @@
             <a:r>
               <a:rPr lang="ru-RU" dirty="0">
                 <a:solidFill>
-                  <a:schemeClr val="bg1"/>
+                  <a:schemeClr val="tx1">
+                    <a:lumMod val="95000"/>
+                    <a:lumOff val="5000"/>
+                  </a:schemeClr>
                 </a:solidFill>
               </a:rPr>
               <a:t> </a:t>
@@ -3404,7 +3775,10 @@
             <a:r>
               <a:rPr lang="en-US" dirty="0">
                 <a:solidFill>
-                  <a:schemeClr val="bg1"/>
+                  <a:schemeClr val="tx1">
+                    <a:lumMod val="95000"/>
+                    <a:lumOff val="5000"/>
+                  </a:schemeClr>
                 </a:solidFill>
               </a:rPr>
               <a:t>workspace</a:t>
@@ -3412,7 +3786,10 @@
             <a:r>
               <a:rPr lang="ru-RU" dirty="0">
                 <a:solidFill>
-                  <a:schemeClr val="bg1"/>
+                  <a:schemeClr val="tx1">
+                    <a:lumMod val="95000"/>
+                    <a:lumOff val="5000"/>
+                  </a:schemeClr>
                 </a:solidFill>
               </a:rPr>
               <a:t> </a:t>
@@ -3420,7 +3797,10 @@
             <a:r>
               <a:rPr lang="en-US" dirty="0">
                 <a:solidFill>
-                  <a:schemeClr val="bg1"/>
+                  <a:schemeClr val="tx1">
+                    <a:lumMod val="95000"/>
+                    <a:lumOff val="5000"/>
+                  </a:schemeClr>
                 </a:solidFill>
               </a:rPr>
               <a:t>of</a:t>
@@ -3428,7 +3808,10 @@
             <a:r>
               <a:rPr lang="ru-RU" dirty="0">
                 <a:solidFill>
-                  <a:schemeClr val="bg1"/>
+                  <a:schemeClr val="tx1">
+                    <a:lumMod val="95000"/>
+                    <a:lumOff val="5000"/>
+                  </a:schemeClr>
                 </a:solidFill>
               </a:rPr>
               <a:t> </a:t>
@@ -3436,7 +3819,10 @@
             <a:r>
               <a:rPr lang="en-US" dirty="0">
                 <a:solidFill>
-                  <a:schemeClr val="bg1"/>
+                  <a:schemeClr val="tx1">
+                    <a:lumMod val="95000"/>
+                    <a:lumOff val="5000"/>
+                  </a:schemeClr>
                 </a:solidFill>
               </a:rPr>
               <a:t>cable-driven</a:t>
@@ -3444,7 +3830,10 @@
             <a:r>
               <a:rPr lang="ru-RU" dirty="0">
                 <a:solidFill>
-                  <a:schemeClr val="bg1"/>
+                  <a:schemeClr val="tx1">
+                    <a:lumMod val="95000"/>
+                    <a:lumOff val="5000"/>
+                  </a:schemeClr>
                 </a:solidFill>
               </a:rPr>
               <a:t> </a:t>
@@ -3452,7 +3841,10 @@
             <a:r>
               <a:rPr lang="en-US" dirty="0">
                 <a:solidFill>
-                  <a:schemeClr val="bg1"/>
+                  <a:schemeClr val="tx1">
+                    <a:lumMod val="95000"/>
+                    <a:lumOff val="5000"/>
+                  </a:schemeClr>
                 </a:solidFill>
               </a:rPr>
               <a:t>parallel</a:t>
@@ -3460,7 +3852,10 @@
             <a:r>
               <a:rPr lang="ru-RU" dirty="0">
                 <a:solidFill>
-                  <a:schemeClr val="bg1"/>
+                  <a:schemeClr val="tx1">
+                    <a:lumMod val="95000"/>
+                    <a:lumOff val="5000"/>
+                  </a:schemeClr>
                 </a:solidFill>
               </a:rPr>
               <a:t> </a:t>
@@ -3468,7 +3863,10 @@
             <a:r>
               <a:rPr lang="en-US" dirty="0">
                 <a:solidFill>
-                  <a:schemeClr val="bg1"/>
+                  <a:schemeClr val="tx1">
+                    <a:lumMod val="95000"/>
+                    <a:lumOff val="5000"/>
+                  </a:schemeClr>
                 </a:solidFill>
               </a:rPr>
               <a:t>robots</a:t>
@@ -3476,7 +3874,10 @@
             <a:r>
               <a:rPr lang="ru-RU" dirty="0">
                 <a:solidFill>
-                  <a:schemeClr val="bg1"/>
+                  <a:schemeClr val="tx1">
+                    <a:lumMod val="95000"/>
+                    <a:lumOff val="5000"/>
+                  </a:schemeClr>
                 </a:solidFill>
               </a:rPr>
               <a:t> </a:t>
@@ -3484,7 +3885,10 @@
             <a:r>
               <a:rPr lang="en-US" dirty="0">
                 <a:solidFill>
-                  <a:schemeClr val="bg1"/>
+                  <a:schemeClr val="tx1">
+                    <a:lumMod val="95000"/>
+                    <a:lumOff val="5000"/>
+                  </a:schemeClr>
                 </a:solidFill>
               </a:rPr>
               <a:t>with application</a:t>
@@ -3492,7 +3896,10 @@
             <a:r>
               <a:rPr lang="ru-RU" dirty="0">
                 <a:solidFill>
-                  <a:schemeClr val="bg1"/>
+                  <a:schemeClr val="tx1">
+                    <a:lumMod val="95000"/>
+                    <a:lumOff val="5000"/>
+                  </a:schemeClr>
                 </a:solidFill>
               </a:rPr>
               <a:t> </a:t>
@@ -3500,7 +3907,10 @@
             <a:r>
               <a:rPr lang="en-US" dirty="0">
                 <a:solidFill>
-                  <a:schemeClr val="bg1"/>
+                  <a:schemeClr val="tx1">
+                    <a:lumMod val="95000"/>
+                    <a:lumOff val="5000"/>
+                  </a:schemeClr>
                 </a:solidFill>
               </a:rPr>
               <a:t>to</a:t>
@@ -3508,7 +3918,10 @@
             <a:r>
               <a:rPr lang="ru-RU" dirty="0">
                 <a:solidFill>
-                  <a:schemeClr val="bg1"/>
+                  <a:schemeClr val="tx1">
+                    <a:lumMod val="95000"/>
+                    <a:lumOff val="5000"/>
+                  </a:schemeClr>
                 </a:solidFill>
               </a:rPr>
               <a:t> </a:t>
@@ -3516,7 +3929,10 @@
             <a:r>
               <a:rPr lang="en-US" dirty="0">
                 <a:solidFill>
-                  <a:schemeClr val="bg1"/>
+                  <a:schemeClr val="tx1">
+                    <a:lumMod val="95000"/>
+                    <a:lumOff val="5000"/>
+                  </a:schemeClr>
                 </a:solidFill>
               </a:rPr>
               <a:t>optimal</a:t>
@@ -3524,7 +3940,10 @@
             <a:r>
               <a:rPr lang="ru-RU" dirty="0">
                 <a:solidFill>
-                  <a:schemeClr val="bg1"/>
+                  <a:schemeClr val="tx1">
+                    <a:lumMod val="95000"/>
+                    <a:lumOff val="5000"/>
+                  </a:schemeClr>
                 </a:solidFill>
               </a:rPr>
               <a:t> </a:t>
@@ -3532,7 +3951,10 @@
             <a:r>
               <a:rPr lang="en-US" dirty="0">
                 <a:solidFill>
-                  <a:schemeClr val="bg1"/>
+                  <a:schemeClr val="tx1">
+                    <a:lumMod val="95000"/>
+                    <a:lumOff val="5000"/>
+                  </a:schemeClr>
                 </a:solidFill>
               </a:rPr>
               <a:t>design</a:t>
@@ -3540,7 +3962,10 @@
             <a:r>
               <a:rPr lang="ru-RU" dirty="0">
                 <a:solidFill>
-                  <a:schemeClr val="bg1"/>
+                  <a:schemeClr val="tx1">
+                    <a:lumMod val="95000"/>
+                    <a:lumOff val="5000"/>
+                  </a:schemeClr>
                 </a:solidFill>
               </a:rPr>
               <a:t> </a:t>
@@ -3548,7 +3973,10 @@
             <a:r>
               <a:rPr lang="en-US" dirty="0">
                 <a:solidFill>
-                  <a:schemeClr val="bg1"/>
+                  <a:schemeClr val="tx1">
+                    <a:lumMod val="95000"/>
+                    <a:lumOff val="5000"/>
+                  </a:schemeClr>
                 </a:solidFill>
               </a:rPr>
               <a:t>of</a:t>
@@ -3556,7 +3984,10 @@
             <a:r>
               <a:rPr lang="ru-RU" dirty="0">
                 <a:solidFill>
-                  <a:schemeClr val="bg1"/>
+                  <a:schemeClr val="tx1">
+                    <a:lumMod val="95000"/>
+                    <a:lumOff val="5000"/>
+                  </a:schemeClr>
                 </a:solidFill>
               </a:rPr>
               <a:t> </a:t>
@@ -3564,7 +3995,10 @@
             <a:r>
               <a:rPr lang="en-US" dirty="0">
                 <a:solidFill>
-                  <a:schemeClr val="bg1"/>
+                  <a:schemeClr val="tx1">
+                    <a:lumMod val="95000"/>
+                    <a:lumOff val="5000"/>
+                  </a:schemeClr>
                 </a:solidFill>
               </a:rPr>
               <a:t>a</a:t>
@@ -3572,7 +4006,10 @@
             <a:r>
               <a:rPr lang="ru-RU" dirty="0">
                 <a:solidFill>
-                  <a:schemeClr val="bg1"/>
+                  <a:schemeClr val="tx1">
+                    <a:lumMod val="95000"/>
+                    <a:lumOff val="5000"/>
+                  </a:schemeClr>
                 </a:solidFill>
               </a:rPr>
               <a:t> </a:t>
@@ -3580,7 +4017,10 @@
             <a:r>
               <a:rPr lang="en-US" dirty="0">
                 <a:solidFill>
-                  <a:schemeClr val="bg1"/>
+                  <a:schemeClr val="tx1">
+                    <a:lumMod val="95000"/>
+                    <a:lumOff val="5000"/>
+                  </a:schemeClr>
                 </a:solidFill>
               </a:rPr>
               <a:t>planar</a:t>
@@ -3588,7 +4028,10 @@
             <a:r>
               <a:rPr lang="ru-RU" dirty="0">
                 <a:solidFill>
-                  <a:schemeClr val="bg1"/>
+                  <a:schemeClr val="tx1">
+                    <a:lumMod val="95000"/>
+                    <a:lumOff val="5000"/>
+                  </a:schemeClr>
                 </a:solidFill>
               </a:rPr>
               <a:t> </a:t>
@@ -3596,7 +4039,10 @@
             <a:r>
               <a:rPr lang="en-US" dirty="0">
                 <a:solidFill>
-                  <a:schemeClr val="bg1"/>
+                  <a:schemeClr val="tx1">
+                    <a:lumMod val="95000"/>
+                    <a:lumOff val="5000"/>
+                  </a:schemeClr>
                 </a:solidFill>
               </a:rPr>
               <a:t>cable</a:t>
@@ -3604,7 +4050,10 @@
             <a:r>
               <a:rPr lang="ru-RU" dirty="0">
                 <a:solidFill>
-                  <a:schemeClr val="bg1"/>
+                  <a:schemeClr val="tx1">
+                    <a:lumMod val="95000"/>
+                    <a:lumOff val="5000"/>
+                  </a:schemeClr>
                 </a:solidFill>
               </a:rPr>
               <a:t> </a:t>
@@ -3612,14 +4061,20 @@
             <a:r>
               <a:rPr lang="en-US" dirty="0">
                 <a:solidFill>
-                  <a:schemeClr val="bg1"/>
+                  <a:schemeClr val="tx1">
+                    <a:lumMod val="95000"/>
+                    <a:lumOff val="5000"/>
+                  </a:schemeClr>
                 </a:solidFill>
               </a:rPr>
               <a:t>robot</a:t>
             </a:r>
             <a:endParaRPr lang="ru-RU" dirty="0">
               <a:solidFill>
-                <a:schemeClr val="bg1"/>
+                <a:schemeClr val="tx1">
+                  <a:lumMod val="95000"/>
+                  <a:lumOff val="5000"/>
+                </a:schemeClr>
               </a:solidFill>
             </a:endParaRPr>
           </a:p>
@@ -3646,19 +4101,43 @@
           <a:bodyPr/>
           <a:lstStyle/>
           <a:p>
+            <a:pPr algn="r"/>
+            <a:r>
+              <a:rPr lang="en-US" dirty="0" err="1" smtClean="0"/>
+              <a:t>Lisnichenko</a:t>
+            </a:r>
+            <a:r>
+              <a:rPr lang="en-US" dirty="0" smtClean="0"/>
+              <a:t> </a:t>
+            </a:r>
             <a:r>
               <a:rPr lang="en-US" dirty="0"/>
-              <a:t>By </a:t>
-            </a:r>
-            <a:r>
-              <a:rPr lang="en-US" dirty="0" err="1"/>
-              <a:t>Lisnichenko</a:t>
-            </a:r>
-            <a:r>
-              <a:rPr lang="en-US" dirty="0"/>
-              <a:t> Marina mRO-1</a:t>
+              <a:t>Marina mRO-1</a:t>
             </a:r>
             <a:endParaRPr lang="ru-RU" dirty="0"/>
+          </a:p>
+        </p:txBody>
+      </p:sp>
+      <p:sp>
+        <p:nvSpPr>
+          <p:cNvPr id="4" name="Номер слайда 3"/>
+          <p:cNvSpPr>
+            <a:spLocks noGrp="1"/>
+          </p:cNvSpPr>
+          <p:nvPr>
+            <p:ph type="sldNum" sz="quarter" idx="12"/>
+          </p:nvPr>
+        </p:nvSpPr>
+        <p:spPr/>
+        <p:txBody>
+          <a:bodyPr/>
+          <a:lstStyle/>
+          <a:p>
+            <a:fld id="{126B33B4-7BE0-4348-A9DB-278B1BC873C0}" type="slidenum">
+              <a:rPr lang="ru-RU" smtClean="0"/>
+              <a:t>1</a:t>
+            </a:fld>
+            <a:endParaRPr lang="ru-RU"/>
           </a:p>
         </p:txBody>
       </p:sp>
@@ -3885,11 +4364,11 @@
                 </a14:m>
                 <a:r>
                   <a:rPr lang="en-US" dirty="0"/>
-                  <a:t> - internal forces – both expresses geometry and properties </a:t>
+                  <a:t> - internal forces – both expresses geometry </a:t>
                 </a:r>
                 <a:r>
-                  <a:rPr lang="en-US" dirty="0" err="1"/>
-                  <a:t>proties</a:t>
+                  <a:rPr lang="en-US" dirty="0" smtClean="0"/>
+                  <a:t>of cables</a:t>
                 </a:r>
                 <a:endParaRPr lang="en-US" dirty="0"/>
               </a:p>
@@ -4091,8 +4570,24 @@
               </a:p>
               <a:p>
                 <a:r>
+                  <a:rPr lang="en-US" dirty="0" smtClean="0"/>
+                  <a:t>If </a:t>
+                </a:r>
+                <a:r>
+                  <a:rPr lang="en-US" dirty="0" smtClean="0"/>
+                  <a:t>the </a:t>
+                </a:r>
+                <a:r>
                   <a:rPr lang="en-US" dirty="0"/>
-                  <a:t>In that case, the total stiffness matrix is not positive definite and as a result, the robot will be unstable</a:t>
+                  <a:t>total stiffness matrix is not positive </a:t>
+                </a:r>
+                <a:r>
+                  <a:rPr lang="en-US" dirty="0" smtClean="0"/>
+                  <a:t>definite </a:t>
+                </a:r>
+                <a:r>
+                  <a:rPr lang="en-US" dirty="0"/>
+                  <a:t>the robot will be unstable</a:t>
                 </a:r>
                 <a:endParaRPr lang="ru-RU" dirty="0"/>
               </a:p>
@@ -4139,6 +4634,29 @@
           </p:sp>
         </mc:Fallback>
       </mc:AlternateContent>
+      <p:sp>
+        <p:nvSpPr>
+          <p:cNvPr id="4" name="Номер слайда 3"/>
+          <p:cNvSpPr>
+            <a:spLocks noGrp="1"/>
+          </p:cNvSpPr>
+          <p:nvPr>
+            <p:ph type="sldNum" sz="quarter" idx="12"/>
+          </p:nvPr>
+        </p:nvSpPr>
+        <p:spPr/>
+        <p:txBody>
+          <a:bodyPr/>
+          <a:lstStyle/>
+          <a:p>
+            <a:fld id="{126B33B4-7BE0-4348-A9DB-278B1BC873C0}" type="slidenum">
+              <a:rPr lang="ru-RU" smtClean="0"/>
+              <a:t>10</a:t>
+            </a:fld>
+            <a:endParaRPr lang="ru-RU"/>
+          </a:p>
+        </p:txBody>
+      </p:sp>
     </p:spTree>
     <p:extLst>
       <p:ext uri="{BB962C8B-B14F-4D97-AF65-F5344CB8AC3E}">
@@ -4227,211 +4745,221 @@
             <p:spPr bwMode="white"/>
             <p:txBody>
               <a:bodyPr>
-                <a:normAutofit fontScale="92500" lnSpcReduction="20000"/>
+                <a:noAutofit/>
               </a:bodyPr>
               <a:lstStyle/>
               <a:p>
+                <a:pPr>
+                  <a:lnSpc>
+                    <a:spcPct val="100000"/>
+                  </a:lnSpc>
+                </a:pPr>
                 <a:r>
-                  <a:rPr lang="en-US" dirty="0"/>
+                  <a:rPr lang="en-US" sz="2000" dirty="0"/>
                   <a:t>Wrench Closure Workspace (WCW) </a:t>
                 </a:r>
                 <a:r>
-                  <a:rPr lang="ru-RU" dirty="0"/>
+                  <a:rPr lang="ru-RU" sz="2000" dirty="0"/>
                   <a:t>- </a:t>
                 </a:r>
                 <a:r>
-                  <a:rPr lang="en-US" dirty="0"/>
+                  <a:rPr lang="en-US" sz="2000" dirty="0"/>
                   <a:t>a set of poses of the end</a:t>
                 </a:r>
                 <a:r>
-                  <a:rPr lang="ru-RU" dirty="0"/>
+                  <a:rPr lang="ru-RU" sz="2000" dirty="0"/>
                   <a:t>-</a:t>
                 </a:r>
                 <a:r>
-                  <a:rPr lang="en-US" dirty="0"/>
+                  <a:rPr lang="en-US" sz="2000" dirty="0"/>
                   <a:t>effector</a:t>
                 </a:r>
                 <a:r>
-                  <a:rPr lang="ru-RU" dirty="0"/>
+                  <a:rPr lang="ru-RU" sz="2000" dirty="0"/>
                   <a:t> </a:t>
                 </a:r>
                 <a:r>
-                  <a:rPr lang="en-US" dirty="0"/>
+                  <a:rPr lang="en-US" sz="2000" dirty="0"/>
                   <a:t>in</a:t>
                 </a:r>
                 <a:r>
-                  <a:rPr lang="ru-RU" dirty="0"/>
+                  <a:rPr lang="ru-RU" sz="2000" dirty="0"/>
                   <a:t> </a:t>
                 </a:r>
                 <a:r>
-                  <a:rPr lang="en-US" dirty="0"/>
+                  <a:rPr lang="en-US" sz="2000" dirty="0"/>
                   <a:t>which</a:t>
                 </a:r>
                 <a:r>
-                  <a:rPr lang="ru-RU" dirty="0"/>
+                  <a:rPr lang="ru-RU" sz="2000" dirty="0"/>
                   <a:t> </a:t>
                 </a:r>
                 <a:r>
-                  <a:rPr lang="en-US" dirty="0"/>
+                  <a:rPr lang="en-US" sz="2000" dirty="0"/>
                   <a:t>for</a:t>
                 </a:r>
                 <a:r>
-                  <a:rPr lang="ru-RU" dirty="0"/>
+                  <a:rPr lang="ru-RU" sz="2000" dirty="0"/>
                   <a:t> </a:t>
                 </a:r>
                 <a:r>
-                  <a:rPr lang="en-US" dirty="0"/>
+                  <a:rPr lang="en-US" sz="2000" dirty="0"/>
                   <a:t>any</a:t>
                 </a:r>
                 <a:r>
-                  <a:rPr lang="ru-RU" dirty="0"/>
+                  <a:rPr lang="ru-RU" sz="2000" dirty="0"/>
                   <a:t> </a:t>
                 </a:r>
                 <a:r>
-                  <a:rPr lang="en-US" dirty="0"/>
+                  <a:rPr lang="en-US" sz="2000" dirty="0"/>
                   <a:t>external</a:t>
                 </a:r>
                 <a:r>
-                  <a:rPr lang="ru-RU" dirty="0"/>
+                  <a:rPr lang="ru-RU" sz="2000" dirty="0"/>
                   <a:t> </a:t>
                 </a:r>
                 <a:r>
-                  <a:rPr lang="en-US" dirty="0"/>
+                  <a:rPr lang="en-US" sz="2000" dirty="0"/>
                   <a:t>wrench</a:t>
                 </a:r>
                 <a:r>
-                  <a:rPr lang="ru-RU" dirty="0"/>
+                  <a:rPr lang="ru-RU" sz="2000" dirty="0"/>
                   <a:t> </a:t>
                 </a:r>
                 <a:r>
-                  <a:rPr lang="en-US" dirty="0"/>
+                  <a:rPr lang="en-US" sz="2000" dirty="0"/>
                   <a:t>exerted</a:t>
                 </a:r>
                 <a:r>
-                  <a:rPr lang="ru-RU" dirty="0"/>
+                  <a:rPr lang="ru-RU" sz="2000" dirty="0"/>
                   <a:t> </a:t>
                 </a:r>
                 <a:r>
-                  <a:rPr lang="en-US" dirty="0"/>
+                  <a:rPr lang="en-US" sz="2000" dirty="0"/>
                   <a:t>on</a:t>
                 </a:r>
                 <a:r>
-                  <a:rPr lang="ru-RU" dirty="0"/>
+                  <a:rPr lang="ru-RU" sz="2000" dirty="0"/>
                   <a:t> </a:t>
                 </a:r>
                 <a:r>
-                  <a:rPr lang="en-US" dirty="0"/>
+                  <a:rPr lang="en-US" sz="2000" dirty="0"/>
                   <a:t>to</a:t>
                 </a:r>
                 <a:r>
-                  <a:rPr lang="ru-RU" dirty="0"/>
+                  <a:rPr lang="ru-RU" sz="2000" dirty="0"/>
                   <a:t> </a:t>
                 </a:r>
                 <a:r>
-                  <a:rPr lang="en-US" dirty="0"/>
+                  <a:rPr lang="en-US" sz="2000" dirty="0"/>
                   <a:t>the</a:t>
                 </a:r>
                 <a:r>
-                  <a:rPr lang="ru-RU" dirty="0"/>
+                  <a:rPr lang="ru-RU" sz="2000" dirty="0"/>
                   <a:t> </a:t>
                 </a:r>
                 <a:r>
-                  <a:rPr lang="en-US" dirty="0"/>
+                  <a:rPr lang="en-US" sz="2000" dirty="0"/>
                   <a:t>moving</a:t>
                 </a:r>
                 <a:r>
-                  <a:rPr lang="ru-RU" dirty="0"/>
+                  <a:rPr lang="ru-RU" sz="2000" dirty="0"/>
                   <a:t> </a:t>
                 </a:r>
                 <a:r>
-                  <a:rPr lang="en-US" dirty="0"/>
+                  <a:rPr lang="en-US" sz="2000" dirty="0"/>
                   <a:t>platform, there exists a set of positive cable tensions such the moving-platform</a:t>
                 </a:r>
                 <a:r>
-                  <a:rPr lang="ru-RU" dirty="0"/>
+                  <a:rPr lang="ru-RU" sz="2000" dirty="0"/>
                   <a:t> </a:t>
                 </a:r>
                 <a:r>
-                  <a:rPr lang="en-US" dirty="0"/>
+                  <a:rPr lang="en-US" sz="2000" dirty="0"/>
                   <a:t>remains</a:t>
                 </a:r>
                 <a:r>
-                  <a:rPr lang="ru-RU" dirty="0"/>
+                  <a:rPr lang="ru-RU" sz="2000" dirty="0"/>
                   <a:t> </a:t>
                 </a:r>
                 <a:r>
-                  <a:rPr lang="en-US" dirty="0"/>
+                  <a:rPr lang="en-US" sz="2000" dirty="0"/>
                   <a:t>in</a:t>
                 </a:r>
                 <a:r>
-                  <a:rPr lang="ru-RU" dirty="0"/>
+                  <a:rPr lang="ru-RU" sz="2000" dirty="0"/>
                   <a:t> </a:t>
                 </a:r>
                 <a:r>
-                  <a:rPr lang="en-US" dirty="0"/>
+                  <a:rPr lang="en-US" sz="2000" dirty="0"/>
                   <a:t>static</a:t>
                 </a:r>
                 <a:r>
-                  <a:rPr lang="ru-RU" dirty="0"/>
+                  <a:rPr lang="ru-RU" sz="2000" dirty="0"/>
                   <a:t> </a:t>
                 </a:r>
                 <a:r>
-                  <a:rPr lang="en-US" dirty="0"/>
+                  <a:rPr lang="en-US" sz="2000" dirty="0"/>
                   <a:t>equilibrium.</a:t>
                 </a:r>
                 <a:r>
-                  <a:rPr lang="ru-RU" dirty="0"/>
+                  <a:rPr lang="ru-RU" sz="2000" dirty="0"/>
                   <a:t> </a:t>
                 </a:r>
                 <a:r>
-                  <a:rPr lang="en-US" dirty="0"/>
+                  <a:rPr lang="en-US" sz="2000" dirty="0"/>
                   <a:t>These</a:t>
                 </a:r>
                 <a:r>
-                  <a:rPr lang="ru-RU" dirty="0"/>
+                  <a:rPr lang="ru-RU" sz="2000" dirty="0"/>
                   <a:t> </a:t>
                 </a:r>
                 <a:r>
-                  <a:rPr lang="en-US" dirty="0"/>
+                  <a:rPr lang="en-US" sz="2000" dirty="0"/>
                   <a:t>poses</a:t>
                 </a:r>
                 <a:r>
-                  <a:rPr lang="ru-RU" dirty="0"/>
+                  <a:rPr lang="ru-RU" sz="2000" dirty="0"/>
                   <a:t> </a:t>
                 </a:r>
                 <a:r>
-                  <a:rPr lang="en-US" dirty="0"/>
+                  <a:rPr lang="en-US" sz="2000" dirty="0"/>
                   <a:t>can</a:t>
                 </a:r>
                 <a:r>
-                  <a:rPr lang="ru-RU" dirty="0"/>
+                  <a:rPr lang="ru-RU" sz="2000" dirty="0"/>
                   <a:t> </a:t>
                 </a:r>
                 <a:r>
-                  <a:rPr lang="en-US" dirty="0"/>
+                  <a:rPr lang="en-US" sz="2000" dirty="0"/>
                   <a:t>be</a:t>
                 </a:r>
                 <a:r>
-                  <a:rPr lang="ru-RU" dirty="0"/>
+                  <a:rPr lang="ru-RU" sz="2000" dirty="0"/>
                   <a:t> </a:t>
                 </a:r>
                 <a:r>
-                  <a:rPr lang="en-US" dirty="0"/>
+                  <a:rPr lang="en-US" sz="2000" dirty="0"/>
                   <a:t> computed</a:t>
                 </a:r>
                 <a:r>
-                  <a:rPr lang="ru-RU" dirty="0"/>
+                  <a:rPr lang="ru-RU" sz="2000" dirty="0"/>
                   <a:t> </a:t>
                 </a:r>
                 <a:r>
-                  <a:rPr lang="en-US" dirty="0"/>
+                  <a:rPr lang="en-US" sz="2000" dirty="0"/>
                   <a:t>from</a:t>
                 </a:r>
-                <a:endParaRPr lang="ru-RU" dirty="0"/>
+                <a:endParaRPr lang="ru-RU" sz="2000" dirty="0"/>
               </a:p>
               <a:p>
+                <a:pPr>
+                  <a:lnSpc>
+                    <a:spcPct val="100000"/>
+                  </a:lnSpc>
+                </a:pPr>
                 <a:r>
-                  <a:rPr lang="ru-RU" dirty="0"/>
+                  <a:rPr lang="ru-RU" sz="2000" dirty="0"/>
                   <a:t> </a:t>
                 </a:r>
                 <a14:m>
@@ -4441,20 +4969,20 @@
                         <m:begChr m:val="{"/>
                         <m:endChr m:val="}"/>
                         <m:ctrlPr>
-                          <a:rPr lang="ru-RU" i="1" smtClean="0">
+                          <a:rPr lang="ru-RU" sz="2000" i="1" smtClean="0">
                             <a:latin typeface="Cambria Math" panose="02040503050406030204" pitchFamily="18" charset="0"/>
                           </a:rPr>
                         </m:ctrlPr>
                       </m:dPr>
                       <m:e>
                         <m:r>
-                          <a:rPr lang="en-US" b="0" i="1" smtClean="0">
+                          <a:rPr lang="en-US" sz="2000" b="0" i="1" smtClean="0">
                             <a:latin typeface="Cambria Math" panose="02040503050406030204" pitchFamily="18" charset="0"/>
                           </a:rPr>
                           <m:t>𝑋</m:t>
                         </m:r>
                         <m:r>
-                          <a:rPr lang="en-US" b="0" i="1" smtClean="0">
+                          <a:rPr lang="en-US" sz="2000" b="0" i="1" smtClean="0">
                             <a:latin typeface="Cambria Math" panose="02040503050406030204" pitchFamily="18" charset="0"/>
                           </a:rPr>
                           <m:t>|</m:t>
@@ -4462,14 +4990,14 @@
                         <m:sSub>
                           <m:sSubPr>
                             <m:ctrlPr>
-                              <a:rPr lang="en-US" b="0" i="1" smtClean="0">
+                              <a:rPr lang="en-US" sz="2000" b="0" i="1" smtClean="0">
                                 <a:latin typeface="Cambria Math" panose="02040503050406030204" pitchFamily="18" charset="0"/>
                               </a:rPr>
                             </m:ctrlPr>
                           </m:sSubPr>
                           <m:e>
                             <m:r>
-                              <a:rPr lang="en-US" b="0" i="1" smtClean="0">
+                              <a:rPr lang="en-US" sz="2000" b="0" i="1" smtClean="0">
                                 <a:latin typeface="Cambria Math" panose="02040503050406030204" pitchFamily="18" charset="0"/>
                               </a:rPr>
                               <m:t>𝐹</m:t>
@@ -4477,7 +5005,7 @@
                           </m:e>
                           <m:sub>
                             <m:r>
-                              <a:rPr lang="en-US" b="0" i="1" smtClean="0">
+                              <a:rPr lang="en-US" sz="2000" b="0" i="1" smtClean="0">
                                 <a:latin typeface="Cambria Math" panose="02040503050406030204" pitchFamily="18" charset="0"/>
                               </a:rPr>
                               <m:t>0</m:t>
@@ -4485,47 +5013,47 @@
                           </m:sub>
                         </m:sSub>
                         <m:r>
-                          <a:rPr lang="en-US" b="0" i="1" smtClean="0">
+                          <a:rPr lang="en-US" sz="2000" b="0" i="1" smtClean="0">
                             <a:latin typeface="Cambria Math" panose="02040503050406030204" pitchFamily="18" charset="0"/>
                           </a:rPr>
                           <m:t>=</m:t>
                         </m:r>
                         <m:r>
-                          <a:rPr lang="en-US" b="0" i="1" smtClean="0">
+                          <a:rPr lang="en-US" sz="2000" b="0" i="1" smtClean="0">
                             <a:latin typeface="Cambria Math" panose="02040503050406030204" pitchFamily="18" charset="0"/>
                           </a:rPr>
                           <m:t>𝐴</m:t>
                         </m:r>
                         <m:r>
-                          <a:rPr lang="en-US" b="0" i="1" smtClean="0">
+                          <a:rPr lang="en-US" sz="2000" b="0" i="1" smtClean="0">
                             <a:latin typeface="Cambria Math" panose="02040503050406030204" pitchFamily="18" charset="0"/>
                             <a:ea typeface="Cambria Math" panose="02040503050406030204" pitchFamily="18" charset="0"/>
                           </a:rPr>
                           <m:t>∙</m:t>
                         </m:r>
                         <m:r>
-                          <a:rPr lang="en-US" b="0" i="1" smtClean="0">
+                          <a:rPr lang="en-US" sz="2000" b="0" i="1" smtClean="0">
                             <a:latin typeface="Cambria Math" panose="02040503050406030204" pitchFamily="18" charset="0"/>
                             <a:ea typeface="Cambria Math" panose="02040503050406030204" pitchFamily="18" charset="0"/>
                           </a:rPr>
                           <m:t>𝜏</m:t>
                         </m:r>
                         <m:r>
-                          <a:rPr lang="en-US" b="0" i="1" smtClean="0">
+                          <a:rPr lang="en-US" sz="2000" b="0" i="1" smtClean="0">
                             <a:latin typeface="Cambria Math" panose="02040503050406030204" pitchFamily="18" charset="0"/>
                             <a:ea typeface="Cambria Math" panose="02040503050406030204" pitchFamily="18" charset="0"/>
                           </a:rPr>
                           <m:t>, </m:t>
                         </m:r>
                         <m:r>
-                          <a:rPr lang="en-US" b="0" i="1" smtClean="0">
+                          <a:rPr lang="en-US" sz="2000" b="0" i="1" smtClean="0">
                             <a:latin typeface="Cambria Math" panose="02040503050406030204" pitchFamily="18" charset="0"/>
                             <a:ea typeface="Cambria Math" panose="02040503050406030204" pitchFamily="18" charset="0"/>
                           </a:rPr>
                           <m:t>𝜏</m:t>
                         </m:r>
                         <m:r>
-                          <a:rPr lang="en-US" b="0" i="1" smtClean="0">
+                          <a:rPr lang="en-US" sz="2000" b="0" i="1" smtClean="0">
                             <a:latin typeface="Cambria Math" panose="02040503050406030204" pitchFamily="18" charset="0"/>
                             <a:ea typeface="Cambria Math" panose="02040503050406030204" pitchFamily="18" charset="0"/>
                           </a:rPr>
@@ -4535,19 +5063,24 @@
                     </m:d>
                   </m:oMath>
                 </a14:m>
-                <a:endParaRPr lang="en-US" dirty="0"/>
+                <a:endParaRPr lang="en-US" sz="2000" dirty="0"/>
               </a:p>
               <a:p>
+                <a:pPr>
+                  <a:lnSpc>
+                    <a:spcPct val="100000"/>
+                  </a:lnSpc>
+                </a:pPr>
                 <a14:m>
                   <m:oMath xmlns:m="http://schemas.openxmlformats.org/officeDocument/2006/math">
                     <m:r>
-                      <a:rPr lang="en-US" b="0" i="1" smtClean="0">
+                      <a:rPr lang="en-US" sz="2000" b="0" i="1" smtClean="0">
                         <a:latin typeface="Cambria Math" panose="02040503050406030204" pitchFamily="18" charset="0"/>
                       </a:rPr>
                       <m:t>𝐴</m:t>
                     </m:r>
                     <m:r>
-                      <a:rPr lang="en-US" b="0" i="0" smtClean="0">
+                      <a:rPr lang="en-US" sz="2000" b="0" i="0" smtClean="0">
                         <a:latin typeface="Cambria Math" panose="02040503050406030204" pitchFamily="18" charset="0"/>
                       </a:rPr>
                       <m:t>=−</m:t>
@@ -4555,14 +5088,14 @@
                     <m:sSup>
                       <m:sSupPr>
                         <m:ctrlPr>
-                          <a:rPr lang="en-US" b="0" i="1" smtClean="0">
+                          <a:rPr lang="en-US" sz="2000" b="0" i="1" smtClean="0">
                             <a:latin typeface="Cambria Math" panose="02040503050406030204" pitchFamily="18" charset="0"/>
                           </a:rPr>
                         </m:ctrlPr>
                       </m:sSupPr>
                       <m:e>
                         <m:r>
-                          <a:rPr lang="en-US" b="0" i="1" smtClean="0">
+                          <a:rPr lang="en-US" sz="2000" b="0" i="1" smtClean="0">
                             <a:latin typeface="Cambria Math" panose="02040503050406030204" pitchFamily="18" charset="0"/>
                           </a:rPr>
                           <m:t>𝐽</m:t>
@@ -4570,7 +5103,7 @@
                       </m:e>
                       <m:sup>
                         <m:r>
-                          <a:rPr lang="en-US" b="0" i="1" smtClean="0">
+                          <a:rPr lang="en-US" sz="2000" b="0" i="1" smtClean="0">
                             <a:latin typeface="Cambria Math" panose="02040503050406030204" pitchFamily="18" charset="0"/>
                           </a:rPr>
                           <m:t>𝑇</m:t>
@@ -4580,22 +5113,27 @@
                   </m:oMath>
                 </a14:m>
                 <a:r>
-                  <a:rPr lang="en-US" dirty="0"/>
+                  <a:rPr lang="en-US" sz="2000" dirty="0"/>
                   <a:t> - structure matrix of the robot</a:t>
                 </a:r>
               </a:p>
               <a:p>
+                <a:pPr>
+                  <a:lnSpc>
+                    <a:spcPct val="100000"/>
+                  </a:lnSpc>
+                </a:pPr>
                 <a14:m>
                   <m:oMath xmlns:m="http://schemas.openxmlformats.org/officeDocument/2006/math">
                     <m:r>
-                      <a:rPr lang="ru-RU" i="1" smtClean="0">
+                      <a:rPr lang="ru-RU" sz="2000" i="1" smtClean="0">
                         <a:latin typeface="Cambria Math" panose="02040503050406030204" pitchFamily="18" charset="0"/>
                         <a:ea typeface="Cambria Math" panose="02040503050406030204" pitchFamily="18" charset="0"/>
                       </a:rPr>
                       <m:t>𝜏</m:t>
                     </m:r>
                     <m:r>
-                      <a:rPr lang="en-US" b="0" i="1" smtClean="0">
+                      <a:rPr lang="en-US" sz="2000" b="0" i="1" smtClean="0">
                         <a:latin typeface="Cambria Math" panose="02040503050406030204" pitchFamily="18" charset="0"/>
                         <a:ea typeface="Cambria Math" panose="02040503050406030204" pitchFamily="18" charset="0"/>
                       </a:rPr>
@@ -4604,7 +5142,7 @@
                     <m:sSup>
                       <m:sSupPr>
                         <m:ctrlPr>
-                          <a:rPr lang="en-US" b="0" i="1" smtClean="0">
+                          <a:rPr lang="en-US" sz="2000" b="0" i="1" smtClean="0">
                             <a:latin typeface="Cambria Math" panose="02040503050406030204" pitchFamily="18" charset="0"/>
                             <a:ea typeface="Cambria Math" panose="02040503050406030204" pitchFamily="18" charset="0"/>
                           </a:rPr>
@@ -4612,7 +5150,7 @@
                       </m:sSupPr>
                       <m:e>
                         <m:r>
-                          <a:rPr lang="en-US" b="0" i="1" smtClean="0">
+                          <a:rPr lang="en-US" sz="2000" b="0" i="1" smtClean="0">
                             <a:latin typeface="Cambria Math" panose="02040503050406030204" pitchFamily="18" charset="0"/>
                             <a:ea typeface="Cambria Math" panose="02040503050406030204" pitchFamily="18" charset="0"/>
                           </a:rPr>
@@ -4621,7 +5159,7 @@
                       </m:e>
                       <m:sup>
                         <m:r>
-                          <a:rPr lang="en-US" b="0" i="1" smtClean="0">
+                          <a:rPr lang="en-US" sz="2000" b="0" i="1" smtClean="0">
                             <a:latin typeface="Cambria Math" panose="02040503050406030204" pitchFamily="18" charset="0"/>
                             <a:ea typeface="Cambria Math" panose="02040503050406030204" pitchFamily="18" charset="0"/>
                           </a:rPr>
@@ -4630,7 +5168,7 @@
                       </m:sup>
                     </m:sSup>
                     <m:r>
-                      <a:rPr lang="en-US" b="0" i="1" smtClean="0">
+                      <a:rPr lang="en-US" sz="2000" b="0" i="1" smtClean="0">
                         <a:latin typeface="Cambria Math" panose="02040503050406030204" pitchFamily="18" charset="0"/>
                         <a:ea typeface="Cambria Math" panose="02040503050406030204" pitchFamily="18" charset="0"/>
                       </a:rPr>
@@ -4639,14 +5177,14 @@
                     <m:sSub>
                       <m:sSubPr>
                         <m:ctrlPr>
-                          <a:rPr lang="en-US" b="0" i="1" smtClean="0">
+                          <a:rPr lang="en-US" sz="2000" b="0" i="1" smtClean="0">
                             <a:latin typeface="Cambria Math" panose="02040503050406030204" pitchFamily="18" charset="0"/>
                           </a:rPr>
                         </m:ctrlPr>
                       </m:sSubPr>
                       <m:e>
                         <m:r>
-                          <a:rPr lang="en-US" b="0" i="1" smtClean="0">
+                          <a:rPr lang="en-US" sz="2000" b="0" i="1" smtClean="0">
                             <a:latin typeface="Cambria Math" panose="02040503050406030204" pitchFamily="18" charset="0"/>
                           </a:rPr>
                           <m:t>𝐹</m:t>
@@ -4654,7 +5192,7 @@
                       </m:e>
                       <m:sub>
                         <m:r>
-                          <a:rPr lang="en-US" b="0" i="1" smtClean="0">
+                          <a:rPr lang="en-US" sz="2000" b="0" i="1" smtClean="0">
                             <a:latin typeface="Cambria Math" panose="02040503050406030204" pitchFamily="18" charset="0"/>
                           </a:rPr>
                           <m:t>0</m:t>
@@ -4662,28 +5200,33 @@
                       </m:sub>
                     </m:sSub>
                     <m:r>
-                      <a:rPr lang="en-US" b="0" i="1" smtClean="0">
+                      <a:rPr lang="en-US" sz="2000" b="0" i="1" smtClean="0">
                         <a:latin typeface="Cambria Math" panose="02040503050406030204" pitchFamily="18" charset="0"/>
                       </a:rPr>
                       <m:t>+</m:t>
                     </m:r>
                     <m:r>
-                      <a:rPr lang="en-US" b="0" i="1" smtClean="0">
+                      <a:rPr lang="en-US" sz="2000" b="0" i="1" smtClean="0">
                         <a:latin typeface="Cambria Math" panose="02040503050406030204" pitchFamily="18" charset="0"/>
                       </a:rPr>
                       <m:t>𝑄</m:t>
                     </m:r>
                   </m:oMath>
                 </a14:m>
-                <a:endParaRPr lang="en-US" dirty="0"/>
+                <a:endParaRPr lang="en-US" sz="2000" dirty="0"/>
               </a:p>
               <a:p>
+                <a:pPr>
+                  <a:lnSpc>
+                    <a:spcPct val="100000"/>
+                  </a:lnSpc>
+                </a:pPr>
                 <a14:m>
                   <m:oMath xmlns:m="http://schemas.openxmlformats.org/officeDocument/2006/math">
                     <m:sSup>
                       <m:sSupPr>
                         <m:ctrlPr>
-                          <a:rPr lang="en-US" b="0" i="1" smtClean="0">
+                          <a:rPr lang="en-US" sz="2000" b="0" i="1" smtClean="0">
                             <a:latin typeface="Cambria Math" panose="02040503050406030204" pitchFamily="18" charset="0"/>
                             <a:ea typeface="Cambria Math" panose="02040503050406030204" pitchFamily="18" charset="0"/>
                           </a:rPr>
@@ -4691,7 +5234,7 @@
                       </m:sSupPr>
                       <m:e>
                         <m:r>
-                          <a:rPr lang="en-US" b="0" i="1" smtClean="0">
+                          <a:rPr lang="en-US" sz="2000" b="0" i="1" smtClean="0">
                             <a:latin typeface="Cambria Math" panose="02040503050406030204" pitchFamily="18" charset="0"/>
                             <a:ea typeface="Cambria Math" panose="02040503050406030204" pitchFamily="18" charset="0"/>
                           </a:rPr>
@@ -4700,7 +5243,7 @@
                       </m:e>
                       <m:sup>
                         <m:r>
-                          <a:rPr lang="en-US" b="0" i="1" smtClean="0">
+                          <a:rPr lang="en-US" sz="2000" b="0" i="1" smtClean="0">
                             <a:latin typeface="Cambria Math" panose="02040503050406030204" pitchFamily="18" charset="0"/>
                             <a:ea typeface="Cambria Math" panose="02040503050406030204" pitchFamily="18" charset="0"/>
                           </a:rPr>
@@ -4711,13 +5254,13 @@
                   </m:oMath>
                 </a14:m>
                 <a:r>
-                  <a:rPr lang="en-US" dirty="0"/>
+                  <a:rPr lang="en-US" sz="2000" dirty="0"/>
                   <a:t> - pseudo-inverse, </a:t>
                 </a:r>
                 <a14:m>
                   <m:oMath xmlns:m="http://schemas.openxmlformats.org/officeDocument/2006/math">
                     <m:r>
-                      <a:rPr lang="en-US" b="0" i="1" smtClean="0">
+                      <a:rPr lang="en-US" sz="2000" b="0" i="1" smtClean="0">
                         <a:latin typeface="Cambria Math" panose="02040503050406030204" pitchFamily="18" charset="0"/>
                       </a:rPr>
                       <m:t>𝑄</m:t>
@@ -4725,21 +5268,26 @@
                   </m:oMath>
                 </a14:m>
                 <a:r>
-                  <a:rPr lang="en-US" dirty="0"/>
+                  <a:rPr lang="en-US" sz="2000" dirty="0"/>
                   <a:t> -  vector of internal forces </a:t>
                 </a:r>
               </a:p>
               <a:p>
+                <a:pPr>
+                  <a:lnSpc>
+                    <a:spcPct val="100000"/>
+                  </a:lnSpc>
+                </a:pPr>
                 <a14:m>
                   <m:oMath xmlns:m="http://schemas.openxmlformats.org/officeDocument/2006/math">
                     <m:r>
-                      <a:rPr lang="en-US" b="0" i="1" smtClean="0">
+                      <a:rPr lang="en-US" sz="2000" b="0" i="1" smtClean="0">
                         <a:latin typeface="Cambria Math" panose="02040503050406030204" pitchFamily="18" charset="0"/>
                       </a:rPr>
                       <m:t>𝑄</m:t>
                     </m:r>
                     <m:r>
-                      <a:rPr lang="en-US" b="0" i="1" smtClean="0">
+                      <a:rPr lang="en-US" sz="2000" b="0" i="1" smtClean="0">
                         <a:latin typeface="Cambria Math" panose="02040503050406030204" pitchFamily="18" charset="0"/>
                       </a:rPr>
                       <m:t>= </m:t>
@@ -4747,14 +5295,14 @@
                     <m:sSub>
                       <m:sSubPr>
                         <m:ctrlPr>
-                          <a:rPr lang="en-US" b="0" i="1" smtClean="0">
+                          <a:rPr lang="en-US" sz="2000" b="0" i="1" smtClean="0">
                             <a:latin typeface="Cambria Math" panose="02040503050406030204" pitchFamily="18" charset="0"/>
                           </a:rPr>
                         </m:ctrlPr>
                       </m:sSubPr>
                       <m:e>
                         <m:r>
-                          <a:rPr lang="en-US" b="0" i="1" smtClean="0">
+                          <a:rPr lang="en-US" sz="2000" b="0" i="1" smtClean="0">
                             <a:latin typeface="Cambria Math" panose="02040503050406030204" pitchFamily="18" charset="0"/>
                             <a:ea typeface="Cambria Math" panose="02040503050406030204" pitchFamily="18" charset="0"/>
                           </a:rPr>
@@ -4763,7 +5311,7 @@
                       </m:e>
                       <m:sub>
                         <m:r>
-                          <a:rPr lang="en-US" b="0" i="1" smtClean="0">
+                          <a:rPr lang="en-US" sz="2000" b="0" i="1" smtClean="0">
                             <a:latin typeface="Cambria Math" panose="02040503050406030204" pitchFamily="18" charset="0"/>
                           </a:rPr>
                           <m:t>𝑚𝑎𝑥</m:t>
@@ -4771,7 +5319,7 @@
                       </m:sub>
                     </m:sSub>
                     <m:r>
-                      <a:rPr lang="en-US" b="0" i="1" smtClean="0">
+                      <a:rPr lang="en-US" sz="2000" b="0" i="1" smtClean="0">
                         <a:latin typeface="Cambria Math" panose="02040503050406030204" pitchFamily="18" charset="0"/>
                         <a:ea typeface="Cambria Math" panose="02040503050406030204" pitchFamily="18" charset="0"/>
                       </a:rPr>
@@ -4780,7 +5328,7 @@
                     <m:sSub>
                       <m:sSubPr>
                         <m:ctrlPr>
-                          <a:rPr lang="en-US" b="0" i="1" smtClean="0">
+                          <a:rPr lang="en-US" sz="2000" b="0" i="1" smtClean="0">
                             <a:latin typeface="Cambria Math" panose="02040503050406030204" pitchFamily="18" charset="0"/>
                             <a:ea typeface="Cambria Math" panose="02040503050406030204" pitchFamily="18" charset="0"/>
                           </a:rPr>
@@ -4788,7 +5336,7 @@
                       </m:sSubPr>
                       <m:e>
                         <m:r>
-                          <a:rPr lang="en-US" b="0" i="1" smtClean="0">
+                          <a:rPr lang="en-US" sz="2000" b="0" i="1" smtClean="0">
                             <a:latin typeface="Cambria Math" panose="02040503050406030204" pitchFamily="18" charset="0"/>
                             <a:ea typeface="Cambria Math" panose="02040503050406030204" pitchFamily="18" charset="0"/>
                           </a:rPr>
@@ -4797,7 +5345,7 @@
                       </m:e>
                       <m:sub>
                         <m:r>
-                          <a:rPr lang="en-US" b="0" i="1" smtClean="0">
+                          <a:rPr lang="en-US" sz="2000" b="0" i="1" smtClean="0">
                             <a:latin typeface="Cambria Math" panose="02040503050406030204" pitchFamily="18" charset="0"/>
                             <a:ea typeface="Cambria Math" panose="02040503050406030204" pitchFamily="18" charset="0"/>
                           </a:rPr>
@@ -4806,21 +5354,21 @@
                       </m:sub>
                     </m:sSub>
                     <m:r>
-                      <a:rPr lang="en-US" b="0" i="1" smtClean="0">
+                      <a:rPr lang="en-US" sz="2000" b="0" i="1" smtClean="0">
                         <a:latin typeface="Cambria Math" panose="02040503050406030204" pitchFamily="18" charset="0"/>
                         <a:ea typeface="Cambria Math" panose="02040503050406030204" pitchFamily="18" charset="0"/>
                       </a:rPr>
                       <m:t>,  (</m:t>
                     </m:r>
                     <m:r>
-                      <a:rPr lang="en-US" b="0" i="1" smtClean="0">
+                      <a:rPr lang="en-US" sz="2000" b="0" i="1" smtClean="0">
                         <a:latin typeface="Cambria Math" panose="02040503050406030204" pitchFamily="18" charset="0"/>
                         <a:ea typeface="Cambria Math" panose="02040503050406030204" pitchFamily="18" charset="0"/>
                       </a:rPr>
                       <m:t>𝐴</m:t>
                     </m:r>
                     <m:r>
-                      <a:rPr lang="en-US" b="0" i="1" smtClean="0">
+                      <a:rPr lang="en-US" sz="2000" b="0" i="1" smtClean="0">
                         <a:latin typeface="Cambria Math" panose="02040503050406030204" pitchFamily="18" charset="0"/>
                         <a:ea typeface="Cambria Math" panose="02040503050406030204" pitchFamily="18" charset="0"/>
                       </a:rPr>
@@ -4829,7 +5377,7 @@
                     <m:sSub>
                       <m:sSubPr>
                         <m:ctrlPr>
-                          <a:rPr lang="en-US" b="0" i="1" smtClean="0">
+                          <a:rPr lang="en-US" sz="2000" b="0" i="1" smtClean="0">
                             <a:latin typeface="Cambria Math" panose="02040503050406030204" pitchFamily="18" charset="0"/>
                             <a:ea typeface="Cambria Math" panose="02040503050406030204" pitchFamily="18" charset="0"/>
                           </a:rPr>
@@ -4837,7 +5385,7 @@
                       </m:sSubPr>
                       <m:e>
                         <m:r>
-                          <a:rPr lang="en-US" b="0" i="1" smtClean="0">
+                          <a:rPr lang="en-US" sz="2000" b="0" i="1" smtClean="0">
                             <a:latin typeface="Cambria Math" panose="02040503050406030204" pitchFamily="18" charset="0"/>
                             <a:ea typeface="Cambria Math" panose="02040503050406030204" pitchFamily="18" charset="0"/>
                           </a:rPr>
@@ -4846,7 +5394,7 @@
                       </m:e>
                       <m:sub>
                         <m:r>
-                          <a:rPr lang="en-US" b="0" i="1" smtClean="0">
+                          <a:rPr lang="en-US" sz="2000" b="0" i="1" smtClean="0">
                             <a:latin typeface="Cambria Math" panose="02040503050406030204" pitchFamily="18" charset="0"/>
                             <a:ea typeface="Cambria Math" panose="02040503050406030204" pitchFamily="18" charset="0"/>
                           </a:rPr>
@@ -4855,7 +5403,7 @@
                       </m:sub>
                     </m:sSub>
                     <m:r>
-                      <a:rPr lang="en-US" b="0" i="1" smtClean="0">
+                      <a:rPr lang="en-US" sz="2000" b="0" i="1" smtClean="0">
                         <a:latin typeface="Cambria Math" panose="02040503050406030204" pitchFamily="18" charset="0"/>
                         <a:ea typeface="Cambria Math" panose="02040503050406030204" pitchFamily="18" charset="0"/>
                       </a:rPr>
@@ -4864,7 +5412,7 @@
                     <m:sSub>
                       <m:sSubPr>
                         <m:ctrlPr>
-                          <a:rPr lang="en-US" b="0" i="1" smtClean="0">
+                          <a:rPr lang="en-US" sz="2000" b="0" i="1" smtClean="0">
                             <a:latin typeface="Cambria Math" panose="02040503050406030204" pitchFamily="18" charset="0"/>
                             <a:ea typeface="Cambria Math" panose="02040503050406030204" pitchFamily="18" charset="0"/>
                           </a:rPr>
@@ -4872,7 +5420,7 @@
                       </m:sSubPr>
                       <m:e>
                         <m:r>
-                          <a:rPr lang="en-US" b="0" i="1" smtClean="0">
+                          <a:rPr lang="en-US" sz="2000" b="0" i="1" smtClean="0">
                             <a:latin typeface="Cambria Math" panose="02040503050406030204" pitchFamily="18" charset="0"/>
                             <a:ea typeface="Cambria Math" panose="02040503050406030204" pitchFamily="18" charset="0"/>
                           </a:rPr>
@@ -4881,7 +5429,7 @@
                       </m:e>
                       <m:sub>
                         <m:r>
-                          <a:rPr lang="en-US" b="0" i="1" smtClean="0">
+                          <a:rPr lang="en-US" sz="2000" b="0" i="1" smtClean="0">
                             <a:latin typeface="Cambria Math" panose="02040503050406030204" pitchFamily="18" charset="0"/>
                             <a:ea typeface="Cambria Math" panose="02040503050406030204" pitchFamily="18" charset="0"/>
                           </a:rPr>
@@ -4890,7 +5438,7 @@
                       </m:sub>
                     </m:sSub>
                     <m:r>
-                      <a:rPr lang="en-US" b="0" i="0" smtClean="0">
+                      <a:rPr lang="en-US" sz="2000" b="0" i="0" smtClean="0">
                         <a:latin typeface="Cambria Math" panose="02040503050406030204" pitchFamily="18" charset="0"/>
                         <a:ea typeface="Cambria Math" panose="02040503050406030204" pitchFamily="18" charset="0"/>
                       </a:rPr>
@@ -4898,22 +5446,27 @@
                     </m:r>
                   </m:oMath>
                 </a14:m>
-                <a:endParaRPr lang="en-US" dirty="0"/>
+                <a:endParaRPr lang="en-US" sz="2000" dirty="0"/>
               </a:p>
               <a:p>
+                <a:pPr>
+                  <a:lnSpc>
+                    <a:spcPct val="100000"/>
+                  </a:lnSpc>
+                </a:pPr>
                 <a14:m>
                   <m:oMath xmlns:m="http://schemas.openxmlformats.org/officeDocument/2006/math">
                     <m:sSub>
                       <m:sSubPr>
                         <m:ctrlPr>
-                          <a:rPr lang="en-US" b="0" i="1" smtClean="0">
+                          <a:rPr lang="en-US" sz="2000" b="0" i="1" smtClean="0">
                             <a:latin typeface="Cambria Math" panose="02040503050406030204" pitchFamily="18" charset="0"/>
                           </a:rPr>
                         </m:ctrlPr>
                       </m:sSubPr>
                       <m:e>
                         <m:r>
-                          <a:rPr lang="en-US" b="0" i="1" smtClean="0">
+                          <a:rPr lang="en-US" sz="2000" b="0" i="1" smtClean="0">
                             <a:latin typeface="Cambria Math" panose="02040503050406030204" pitchFamily="18" charset="0"/>
                             <a:ea typeface="Cambria Math" panose="02040503050406030204" pitchFamily="18" charset="0"/>
                           </a:rPr>
@@ -4922,7 +5475,7 @@
                       </m:e>
                       <m:sub>
                         <m:r>
-                          <a:rPr lang="en-US" b="0" i="1" smtClean="0">
+                          <a:rPr lang="en-US" sz="2000" b="0" i="1" smtClean="0">
                             <a:latin typeface="Cambria Math" panose="02040503050406030204" pitchFamily="18" charset="0"/>
                           </a:rPr>
                           <m:t>𝑚𝑎𝑥</m:t>
@@ -4930,7 +5483,7 @@
                       </m:sub>
                     </m:sSub>
                     <m:r>
-                      <a:rPr lang="en-US" b="0" i="1" smtClean="0">
+                      <a:rPr lang="en-US" sz="2000" b="0" i="1" smtClean="0">
                         <a:latin typeface="Cambria Math" panose="02040503050406030204" pitchFamily="18" charset="0"/>
                       </a:rPr>
                       <m:t> − </m:t>
@@ -4938,7 +5491,7 @@
                   </m:oMath>
                 </a14:m>
                 <a:r>
-                  <a:rPr lang="en-US" dirty="0"/>
+                  <a:rPr lang="en-US" sz="2000" dirty="0"/>
                   <a:t>norm of the internal forces, </a:t>
                 </a:r>
                 <a14:m>
@@ -4946,7 +5499,7 @@
                     <m:sSub>
                       <m:sSubPr>
                         <m:ctrlPr>
-                          <a:rPr lang="en-US" b="0" i="1" smtClean="0">
+                          <a:rPr lang="en-US" sz="2000" b="0" i="1" smtClean="0">
                             <a:latin typeface="Cambria Math" panose="02040503050406030204" pitchFamily="18" charset="0"/>
                             <a:ea typeface="Cambria Math" panose="02040503050406030204" pitchFamily="18" charset="0"/>
                           </a:rPr>
@@ -4954,7 +5507,7 @@
                       </m:sSubPr>
                       <m:e>
                         <m:r>
-                          <a:rPr lang="en-US" b="0" i="1" smtClean="0">
+                          <a:rPr lang="en-US" sz="2000" b="0" i="1" smtClean="0">
                             <a:latin typeface="Cambria Math" panose="02040503050406030204" pitchFamily="18" charset="0"/>
                             <a:ea typeface="Cambria Math" panose="02040503050406030204" pitchFamily="18" charset="0"/>
                           </a:rPr>
@@ -4963,7 +5516,7 @@
                       </m:e>
                       <m:sub>
                         <m:r>
-                          <a:rPr lang="en-US" b="0" i="1" smtClean="0">
+                          <a:rPr lang="en-US" sz="2000" b="0" i="1" smtClean="0">
                             <a:latin typeface="Cambria Math" panose="02040503050406030204" pitchFamily="18" charset="0"/>
                             <a:ea typeface="Cambria Math" panose="02040503050406030204" pitchFamily="18" charset="0"/>
                           </a:rPr>
@@ -4974,12 +5527,17 @@
                   </m:oMath>
                 </a14:m>
                 <a:r>
-                  <a:rPr lang="en-US" dirty="0"/>
+                  <a:rPr lang="en-US" sz="2000" dirty="0"/>
                   <a:t> - is the normalized vector belongs to the null space of the structure matrix such that all its elements are positive</a:t>
                 </a:r>
               </a:p>
               <a:p>
-                <a:endParaRPr lang="ru-RU" dirty="0"/>
+                <a:pPr>
+                  <a:lnSpc>
+                    <a:spcPct val="100000"/>
+                  </a:lnSpc>
+                </a:pPr>
+                <a:endParaRPr lang="ru-RU" sz="2000" dirty="0"/>
               </a:p>
             </p:txBody>
           </p:sp>
@@ -5005,7 +5563,7 @@
               <a:blipFill>
                 <a:blip r:embed="rId2"/>
                 <a:stretch>
-                  <a:fillRect l="-928" t="-3501" b="-3922"/>
+                  <a:fillRect l="-522" t="-700" r="-696"/>
                 </a:stretch>
               </a:blipFill>
             </p:spPr>
@@ -5024,6 +5582,29 @@
           </p:sp>
         </mc:Fallback>
       </mc:AlternateContent>
+      <p:sp>
+        <p:nvSpPr>
+          <p:cNvPr id="4" name="Номер слайда 3"/>
+          <p:cNvSpPr>
+            <a:spLocks noGrp="1"/>
+          </p:cNvSpPr>
+          <p:nvPr>
+            <p:ph type="sldNum" sz="quarter" idx="12"/>
+          </p:nvPr>
+        </p:nvSpPr>
+        <p:spPr/>
+        <p:txBody>
+          <a:bodyPr/>
+          <a:lstStyle/>
+          <a:p>
+            <a:fld id="{126B33B4-7BE0-4348-A9DB-278B1BC873C0}" type="slidenum">
+              <a:rPr lang="ru-RU" smtClean="0"/>
+              <a:t>11</a:t>
+            </a:fld>
+            <a:endParaRPr lang="ru-RU"/>
+          </a:p>
+        </p:txBody>
+      </p:sp>
     </p:spTree>
     <p:extLst>
       <p:ext uri="{BB962C8B-B14F-4D97-AF65-F5344CB8AC3E}">
@@ -5054,8 +5635,8 @@
           <a:chExt cx="0" cy="0"/>
         </a:xfrm>
       </p:grpSpPr>
-      <mc:AlternateContent xmlns:mc="http://schemas.openxmlformats.org/markup-compatibility/2006">
-        <mc:Choice xmlns:a14="http://schemas.microsoft.com/office/drawing/2010/main" Requires="a14">
+      <mc:AlternateContent xmlns:mc="http://schemas.openxmlformats.org/markup-compatibility/2006" xmlns:a14="http://schemas.microsoft.com/office/drawing/2010/main">
+        <mc:Choice Requires="a14">
           <p:sp>
             <p:nvSpPr>
               <p:cNvPr id="2" name="Заголовок 1">
@@ -5125,7 +5706,7 @@
             </p:txBody>
           </p:sp>
         </mc:Choice>
-        <mc:Fallback>
+        <mc:Fallback xmlns="">
           <p:sp>
             <p:nvSpPr>
               <p:cNvPr id="2" name="Заголовок 1">
@@ -5275,6 +5856,29 @@
           </a:p>
         </p:txBody>
       </p:sp>
+      <p:sp>
+        <p:nvSpPr>
+          <p:cNvPr id="3" name="Номер слайда 2"/>
+          <p:cNvSpPr>
+            <a:spLocks noGrp="1"/>
+          </p:cNvSpPr>
+          <p:nvPr>
+            <p:ph type="sldNum" sz="quarter" idx="12"/>
+          </p:nvPr>
+        </p:nvSpPr>
+        <p:spPr/>
+        <p:txBody>
+          <a:bodyPr/>
+          <a:lstStyle/>
+          <a:p>
+            <a:fld id="{126B33B4-7BE0-4348-A9DB-278B1BC873C0}" type="slidenum">
+              <a:rPr lang="ru-RU" smtClean="0"/>
+              <a:t>12</a:t>
+            </a:fld>
+            <a:endParaRPr lang="ru-RU"/>
+          </a:p>
+        </p:txBody>
+      </p:sp>
     </p:spTree>
     <p:extLst>
       <p:ext uri="{BB962C8B-B14F-4D97-AF65-F5344CB8AC3E}">
@@ -5383,6 +5987,29 @@
           </a:p>
         </p:txBody>
       </p:sp>
+      <p:sp>
+        <p:nvSpPr>
+          <p:cNvPr id="4" name="Номер слайда 3"/>
+          <p:cNvSpPr>
+            <a:spLocks noGrp="1"/>
+          </p:cNvSpPr>
+          <p:nvPr>
+            <p:ph type="sldNum" sz="quarter" idx="12"/>
+          </p:nvPr>
+        </p:nvSpPr>
+        <p:spPr/>
+        <p:txBody>
+          <a:bodyPr/>
+          <a:lstStyle/>
+          <a:p>
+            <a:fld id="{126B33B4-7BE0-4348-A9DB-278B1BC873C0}" type="slidenum">
+              <a:rPr lang="ru-RU" smtClean="0"/>
+              <a:t>13</a:t>
+            </a:fld>
+            <a:endParaRPr lang="ru-RU"/>
+          </a:p>
+        </p:txBody>
+      </p:sp>
     </p:spTree>
     <p:extLst>
       <p:ext uri="{BB962C8B-B14F-4D97-AF65-F5344CB8AC3E}">
@@ -5530,6 +6157,29 @@
           </a:prstGeom>
         </p:spPr>
       </p:pic>
+      <p:sp>
+        <p:nvSpPr>
+          <p:cNvPr id="5" name="Номер слайда 4"/>
+          <p:cNvSpPr>
+            <a:spLocks noGrp="1"/>
+          </p:cNvSpPr>
+          <p:nvPr>
+            <p:ph type="sldNum" sz="quarter" idx="12"/>
+          </p:nvPr>
+        </p:nvSpPr>
+        <p:spPr/>
+        <p:txBody>
+          <a:bodyPr/>
+          <a:lstStyle/>
+          <a:p>
+            <a:fld id="{126B33B4-7BE0-4348-A9DB-278B1BC873C0}" type="slidenum">
+              <a:rPr lang="ru-RU" smtClean="0"/>
+              <a:t>14</a:t>
+            </a:fld>
+            <a:endParaRPr lang="ru-RU"/>
+          </a:p>
+        </p:txBody>
+      </p:sp>
     </p:spTree>
     <p:extLst>
       <p:ext uri="{BB962C8B-B14F-4D97-AF65-F5344CB8AC3E}">
@@ -5626,6 +6276,29 @@
           </a:p>
         </p:txBody>
       </p:sp>
+      <p:sp>
+        <p:nvSpPr>
+          <p:cNvPr id="4" name="Номер слайда 3"/>
+          <p:cNvSpPr>
+            <a:spLocks noGrp="1"/>
+          </p:cNvSpPr>
+          <p:nvPr>
+            <p:ph type="sldNum" sz="quarter" idx="12"/>
+          </p:nvPr>
+        </p:nvSpPr>
+        <p:spPr/>
+        <p:txBody>
+          <a:bodyPr/>
+          <a:lstStyle/>
+          <a:p>
+            <a:fld id="{126B33B4-7BE0-4348-A9DB-278B1BC873C0}" type="slidenum">
+              <a:rPr lang="ru-RU" smtClean="0"/>
+              <a:t>15</a:t>
+            </a:fld>
+            <a:endParaRPr lang="ru-RU"/>
+          </a:p>
+        </p:txBody>
+      </p:sp>
     </p:spTree>
     <p:extLst>
       <p:ext uri="{BB962C8B-B14F-4D97-AF65-F5344CB8AC3E}">
@@ -5685,8 +6358,8 @@
           </a:p>
         </p:txBody>
       </p:sp>
-      <mc:AlternateContent xmlns:mc="http://schemas.openxmlformats.org/markup-compatibility/2006">
-        <mc:Choice xmlns:a14="http://schemas.microsoft.com/office/drawing/2010/main" Requires="a14">
+      <mc:AlternateContent xmlns:mc="http://schemas.openxmlformats.org/markup-compatibility/2006" xmlns:a14="http://schemas.microsoft.com/office/drawing/2010/main">
+        <mc:Choice Requires="a14">
           <p:sp>
             <p:nvSpPr>
               <p:cNvPr id="3" name="Объект 2">
@@ -5950,13 +6623,7 @@
                                     <a:rPr lang="en-US" b="0" i="1" smtClean="0">
                                       <a:latin typeface="Cambria Math" panose="02040503050406030204" pitchFamily="18" charset="0"/>
                                     </a:rPr>
-                                    <m:t>1</m:t>
-                                  </m:r>
-                                  <m:r>
-                                    <a:rPr lang="en-US" b="0" i="1" smtClean="0">
-                                      <a:latin typeface="Cambria Math" panose="02040503050406030204" pitchFamily="18" charset="0"/>
-                                    </a:rPr>
-                                    <m:t>2</m:t>
+                                    <m:t>12</m:t>
                                   </m:r>
                                 </m:sub>
                               </m:sSub>
@@ -5985,13 +6652,7 @@
                                     <a:rPr lang="en-US" b="0" i="1" smtClean="0">
                                       <a:latin typeface="Cambria Math" panose="02040503050406030204" pitchFamily="18" charset="0"/>
                                     </a:rPr>
-                                    <m:t>2</m:t>
-                                  </m:r>
-                                  <m:r>
-                                    <a:rPr lang="en-US" b="0" i="1" smtClean="0">
-                                      <a:latin typeface="Cambria Math" panose="02040503050406030204" pitchFamily="18" charset="0"/>
-                                    </a:rPr>
-                                    <m:t>1</m:t>
+                                    <m:t>21</m:t>
                                   </m:r>
                                 </m:sub>
                               </m:sSub>
@@ -6208,7 +6869,7 @@
             </p:txBody>
           </p:sp>
         </mc:Choice>
-        <mc:Fallback>
+        <mc:Fallback xmlns="">
           <p:sp>
             <p:nvSpPr>
               <p:cNvPr id="3" name="Объект 2">
@@ -6248,6 +6909,29 @@
           </p:sp>
         </mc:Fallback>
       </mc:AlternateContent>
+      <p:sp>
+        <p:nvSpPr>
+          <p:cNvPr id="4" name="Номер слайда 3"/>
+          <p:cNvSpPr>
+            <a:spLocks noGrp="1"/>
+          </p:cNvSpPr>
+          <p:nvPr>
+            <p:ph type="sldNum" sz="quarter" idx="12"/>
+          </p:nvPr>
+        </p:nvSpPr>
+        <p:spPr/>
+        <p:txBody>
+          <a:bodyPr/>
+          <a:lstStyle/>
+          <a:p>
+            <a:fld id="{126B33B4-7BE0-4348-A9DB-278B1BC873C0}" type="slidenum">
+              <a:rPr lang="ru-RU" smtClean="0"/>
+              <a:t>16</a:t>
+            </a:fld>
+            <a:endParaRPr lang="ru-RU"/>
+          </a:p>
+        </p:txBody>
+      </p:sp>
     </p:spTree>
     <p:extLst>
       <p:ext uri="{BB962C8B-B14F-4D97-AF65-F5344CB8AC3E}">
@@ -6332,15 +7016,15 @@
           <a:p>
             <a:r>
               <a:rPr lang="en-US" dirty="0"/>
-              <a:t>the attachment points of cables on the end-effector plane are considered symmetric with respect to the </a:t>
-            </a:r>
-            <a:r>
-              <a:rPr lang="en-US" dirty="0" err="1"/>
-              <a:t>x,y</a:t>
+              <a:t>the attachment points of cables on the end-effector plane are considered symmetric with respect to the x</a:t>
+            </a:r>
+            <a:r>
+              <a:rPr lang="en-US" dirty="0" smtClean="0"/>
+              <a:t>, y </a:t>
             </a:r>
             <a:r>
               <a:rPr lang="en-US" dirty="0"/>
-              <a:t> axes</a:t>
+              <a:t>axes</a:t>
             </a:r>
           </a:p>
           <a:p>
@@ -6349,6 +7033,29 @@
               <a:t>cables can be arranged to the end-effector plane in a rectangular pattern</a:t>
             </a:r>
             <a:endParaRPr lang="ru-RU" dirty="0"/>
+          </a:p>
+        </p:txBody>
+      </p:sp>
+      <p:sp>
+        <p:nvSpPr>
+          <p:cNvPr id="4" name="Номер слайда 3"/>
+          <p:cNvSpPr>
+            <a:spLocks noGrp="1"/>
+          </p:cNvSpPr>
+          <p:nvPr>
+            <p:ph type="sldNum" sz="quarter" idx="12"/>
+          </p:nvPr>
+        </p:nvSpPr>
+        <p:spPr/>
+        <p:txBody>
+          <a:bodyPr/>
+          <a:lstStyle/>
+          <a:p>
+            <a:fld id="{126B33B4-7BE0-4348-A9DB-278B1BC873C0}" type="slidenum">
+              <a:rPr lang="ru-RU" smtClean="0"/>
+              <a:t>17</a:t>
+            </a:fld>
+            <a:endParaRPr lang="ru-RU"/>
           </a:p>
         </p:txBody>
       </p:sp>
@@ -6458,7 +7165,7 @@
         <p:spPr bwMode="white">
           <a:xfrm>
             <a:off x="7505010" y="1264040"/>
-            <a:ext cx="4686990" cy="5632311"/>
+            <a:ext cx="4686990" cy="3785652"/>
           </a:xfrm>
           <a:prstGeom prst="rect">
             <a:avLst/>
@@ -6476,8 +7183,13 @@
             </a:pPr>
             <a:r>
               <a:rPr lang="en-US" sz="2400" dirty="0"/>
-              <a:t>increasing RB the percentage of the WCW is decrease</a:t>
-            </a:r>
+              <a:t>increasing RB the percentage of the WCW is </a:t>
+            </a:r>
+            <a:r>
+              <a:rPr lang="en-US" sz="2400" dirty="0" smtClean="0"/>
+              <a:t>decrease;</a:t>
+            </a:r>
+            <a:endParaRPr lang="en-US" sz="2400" dirty="0"/>
           </a:p>
           <a:p>
             <a:pPr marL="342900" indent="-342900">
@@ -6493,8 +7205,13 @@
             </a:r>
             <a:r>
               <a:rPr lang="en-US" sz="2400" dirty="0"/>
-              <a:t> the volume of WCW is increased</a:t>
-            </a:r>
+              <a:t> the volume of WCW is </a:t>
+            </a:r>
+            <a:r>
+              <a:rPr lang="en-US" sz="2400" dirty="0" smtClean="0"/>
+              <a:t>increased;</a:t>
+            </a:r>
+            <a:endParaRPr lang="en-US" sz="2400" dirty="0"/>
           </a:p>
           <a:p>
             <a:pPr marL="342900" indent="-342900">
@@ -6510,8 +7227,13 @@
             </a:r>
             <a:r>
               <a:rPr lang="en-US" sz="2400" dirty="0"/>
-              <a:t> and RB</a:t>
-            </a:r>
+              <a:t> and </a:t>
+            </a:r>
+            <a:r>
+              <a:rPr lang="en-US" sz="2400" dirty="0" smtClean="0"/>
+              <a:t>RB;</a:t>
+            </a:r>
+            <a:endParaRPr lang="en-US" sz="2400" dirty="0"/>
           </a:p>
           <a:p>
             <a:pPr marL="342900" indent="-342900">
@@ -6519,7 +7241,15 @@
             </a:pPr>
             <a:r>
               <a:rPr lang="en-US" sz="2400" dirty="0"/>
-              <a:t>By increasing RB average of stiffness number is increased and by increasing </a:t>
+              <a:t>By increasing RB average of </a:t>
+            </a:r>
+            <a:r>
+              <a:rPr lang="en-US" sz="2400" dirty="0" smtClean="0"/>
+              <a:t>stiffness </a:t>
+            </a:r>
+            <a:r>
+              <a:rPr lang="en-US" sz="2400" dirty="0"/>
+              <a:t>number is increased and by increasing </a:t>
             </a:r>
             <a:r>
               <a:rPr lang="en-US" sz="2400" dirty="0" err="1"/>
@@ -6527,16 +7257,68 @@
             </a:r>
             <a:r>
               <a:rPr lang="en-US" sz="2400" dirty="0"/>
-              <a:t>, the average of stiffness number is decreased.</a:t>
-            </a:r>
-          </a:p>
-          <a:p>
-            <a:pPr marL="342900" indent="-342900">
-              <a:buAutoNum type="arabicParenR"/>
-            </a:pPr>
+              <a:t>, the average of stiffness number is </a:t>
+            </a:r>
+            <a:r>
+              <a:rPr lang="en-US" sz="2400" dirty="0" smtClean="0"/>
+              <a:t>decreased;</a:t>
+            </a:r>
+            <a:endParaRPr lang="en-US" sz="2400" dirty="0"/>
+          </a:p>
+        </p:txBody>
+      </p:sp>
+      <p:sp>
+        <p:nvSpPr>
+          <p:cNvPr id="3" name="Номер слайда 2"/>
+          <p:cNvSpPr>
+            <a:spLocks noGrp="1"/>
+          </p:cNvSpPr>
+          <p:nvPr>
+            <p:ph type="sldNum" sz="quarter" idx="12"/>
+          </p:nvPr>
+        </p:nvSpPr>
+        <p:spPr/>
+        <p:txBody>
+          <a:bodyPr/>
+          <a:lstStyle/>
+          <a:p>
+            <a:fld id="{126B33B4-7BE0-4348-A9DB-278B1BC873C0}" type="slidenum">
+              <a:rPr lang="ru-RU" smtClean="0"/>
+              <a:t>18</a:t>
+            </a:fld>
+            <a:endParaRPr lang="ru-RU" dirty="0"/>
+          </a:p>
+        </p:txBody>
+      </p:sp>
+      <p:sp>
+        <p:nvSpPr>
+          <p:cNvPr id="6" name="TextBox 5"/>
+          <p:cNvSpPr txBox="1"/>
+          <p:nvPr/>
+        </p:nvSpPr>
+        <p:spPr>
+          <a:xfrm>
+            <a:off x="60960" y="5433020"/>
+            <a:ext cx="12131040" cy="1107996"/>
+          </a:xfrm>
+          <a:prstGeom prst="rect">
+            <a:avLst/>
+          </a:prstGeom>
+          <a:noFill/>
+        </p:spPr>
+        <p:txBody>
+          <a:bodyPr wrap="square" rtlCol="0">
+            <a:spAutoFit/>
+          </a:bodyPr>
+          <a:lstStyle/>
+          <a:p>
+            <a:r>
+              <a:rPr lang="en-US" sz="2400" dirty="0" smtClean="0"/>
+              <a:t>Therefore</a:t>
+            </a:r>
             <a:r>
               <a:rPr lang="en-US" sz="2400" dirty="0"/>
-              <a:t>Therefore, the effects of design parameter RB on SFW and WCW and the effect of design parameter </a:t>
+              <a:t>, the effects of design parameter RB on SFW and WCW and the effect of design parameter </a:t>
             </a:r>
             <a:r>
               <a:rPr lang="en-US" sz="2400" dirty="0" err="1"/>
@@ -6547,6 +7329,9 @@
               <a:t> on SFW and average of SN are similar.</a:t>
             </a:r>
             <a:endParaRPr lang="ru-RU" sz="2400" dirty="0"/>
+          </a:p>
+          <a:p>
+            <a:endParaRPr lang="ru-RU" dirty="0"/>
           </a:p>
         </p:txBody>
       </p:sp>
@@ -6707,6 +7492,29 @@
           </a:prstGeom>
         </p:spPr>
       </p:pic>
+      <p:sp>
+        <p:nvSpPr>
+          <p:cNvPr id="5" name="Номер слайда 4"/>
+          <p:cNvSpPr>
+            <a:spLocks noGrp="1"/>
+          </p:cNvSpPr>
+          <p:nvPr>
+            <p:ph type="sldNum" sz="quarter" idx="12"/>
+          </p:nvPr>
+        </p:nvSpPr>
+        <p:spPr/>
+        <p:txBody>
+          <a:bodyPr/>
+          <a:lstStyle/>
+          <a:p>
+            <a:fld id="{126B33B4-7BE0-4348-A9DB-278B1BC873C0}" type="slidenum">
+              <a:rPr lang="ru-RU" smtClean="0"/>
+              <a:t>19</a:t>
+            </a:fld>
+            <a:endParaRPr lang="ru-RU"/>
+          </a:p>
+        </p:txBody>
+      </p:sp>
     </p:spTree>
     <p:extLst>
       <p:ext uri="{BB962C8B-B14F-4D97-AF65-F5344CB8AC3E}">
@@ -6801,6 +7609,29 @@
           </a:p>
         </p:txBody>
       </p:sp>
+      <p:sp>
+        <p:nvSpPr>
+          <p:cNvPr id="4" name="Номер слайда 3"/>
+          <p:cNvSpPr>
+            <a:spLocks noGrp="1"/>
+          </p:cNvSpPr>
+          <p:nvPr>
+            <p:ph type="sldNum" sz="quarter" idx="12"/>
+          </p:nvPr>
+        </p:nvSpPr>
+        <p:spPr/>
+        <p:txBody>
+          <a:bodyPr/>
+          <a:lstStyle/>
+          <a:p>
+            <a:fld id="{126B33B4-7BE0-4348-A9DB-278B1BC873C0}" type="slidenum">
+              <a:rPr lang="ru-RU" smtClean="0"/>
+              <a:t>2</a:t>
+            </a:fld>
+            <a:endParaRPr lang="ru-RU"/>
+          </a:p>
+        </p:txBody>
+      </p:sp>
     </p:spTree>
     <p:extLst>
       <p:ext uri="{BB962C8B-B14F-4D97-AF65-F5344CB8AC3E}">
@@ -6836,7 +7667,7 @@
           <p:cNvPr id="2" name="Заголовок 1">
             <a:extLst>
               <a:ext uri="{FF2B5EF4-FFF2-40B4-BE49-F238E27FC236}">
-                <a16:creationId xmlns:a16="http://schemas.microsoft.com/office/drawing/2014/main" id="{2C45BF98-3743-4C78-ABC3-25C01FE0A6B3}"/>
+                <a16:creationId xmlns:a16="http://schemas.microsoft.com/office/drawing/2014/main" id="{7F81EBDA-8971-4A0C-B44D-923E71A67DE3}"/>
               </a:ext>
             </a:extLst>
           </p:cNvPr>
@@ -6852,6 +7683,10 @@
           <a:bodyPr/>
           <a:lstStyle/>
           <a:p>
+            <a:r>
+              <a:rPr lang="en-US" dirty="0"/>
+              <a:t>Changes</a:t>
+            </a:r>
             <a:endParaRPr lang="ru-RU" dirty="0"/>
           </a:p>
         </p:txBody>
@@ -6861,7 +7696,7 @@
           <p:cNvPr id="3" name="Объект 2">
             <a:extLst>
               <a:ext uri="{FF2B5EF4-FFF2-40B4-BE49-F238E27FC236}">
-                <a16:creationId xmlns:a16="http://schemas.microsoft.com/office/drawing/2014/main" id="{73848108-3F58-4428-924D-A997239A4CCE}"/>
+                <a16:creationId xmlns:a16="http://schemas.microsoft.com/office/drawing/2014/main" id="{42050A15-7FE6-4CED-86E6-4F1A45C1579A}"/>
               </a:ext>
             </a:extLst>
           </p:cNvPr>
@@ -6879,14 +7714,125 @@
           </a:bodyPr>
           <a:lstStyle/>
           <a:p>
-            <a:endParaRPr lang="ru-RU" dirty="0"/>
+            <a:r>
+              <a:rPr lang="en-US" dirty="0"/>
+              <a:t>Considering the vital role of the internal forces on the total stiffness of the robot Stiffness Feasible Workspace (SFW) </a:t>
+            </a:r>
+            <a:r>
+              <a:rPr lang="en-US" dirty="0" smtClean="0"/>
+              <a:t>were</a:t>
+            </a:r>
+            <a:r>
+              <a:rPr lang="en-US" dirty="0" smtClean="0"/>
+              <a:t> introduced;</a:t>
+            </a:r>
+            <a:endParaRPr lang="en-US" dirty="0"/>
+          </a:p>
+          <a:p>
+            <a:r>
+              <a:rPr lang="en-US" dirty="0"/>
+              <a:t>s</a:t>
+            </a:r>
+            <a:r>
+              <a:rPr lang="en-US" dirty="0" smtClean="0"/>
+              <a:t>tiffness </a:t>
+            </a:r>
+            <a:r>
+              <a:rPr lang="en-US" dirty="0"/>
+              <a:t>Number (SN) – indicates the distribution of the stiffness of the </a:t>
+            </a:r>
+            <a:r>
+              <a:rPr lang="en-US" dirty="0" smtClean="0"/>
+              <a:t>structure – was found;</a:t>
+            </a:r>
+            <a:endParaRPr lang="en-US" dirty="0"/>
+          </a:p>
+          <a:p>
+            <a:r>
+              <a:rPr lang="en-US" dirty="0" smtClean="0"/>
+              <a:t>design </a:t>
+            </a:r>
+            <a:r>
+              <a:rPr lang="en-US" dirty="0"/>
+              <a:t>parameters on the SFW volume and SN </a:t>
+            </a:r>
+            <a:r>
+              <a:rPr lang="en-US" dirty="0" smtClean="0"/>
+              <a:t>were studied;</a:t>
+            </a:r>
+            <a:endParaRPr lang="en-US" dirty="0"/>
+          </a:p>
+          <a:p>
+            <a:r>
+              <a:rPr lang="en-US" dirty="0" smtClean="0"/>
+              <a:t>was</a:t>
+            </a:r>
+            <a:r>
+              <a:rPr lang="en-US" dirty="0" smtClean="0"/>
+              <a:t> optimized </a:t>
+            </a:r>
+            <a:r>
+              <a:rPr lang="en-US" dirty="0"/>
+              <a:t>the design parameters by maximizing the volume of the SFW, WCW, and uniform distribution of the </a:t>
+            </a:r>
+            <a:r>
+              <a:rPr lang="en-US" dirty="0" smtClean="0"/>
+              <a:t>stiffness;</a:t>
+            </a:r>
+            <a:endParaRPr lang="en-US" dirty="0"/>
+          </a:p>
+          <a:p>
+            <a:r>
+              <a:rPr lang="en-US" dirty="0" smtClean="0"/>
+              <a:t>evolutionary </a:t>
+            </a:r>
+            <a:r>
+              <a:rPr lang="en-US" dirty="0"/>
+              <a:t>algorithm (EA) </a:t>
+            </a:r>
+            <a:r>
+              <a:rPr lang="en-US" dirty="0" smtClean="0"/>
+              <a:t>was </a:t>
+            </a:r>
+            <a:r>
+              <a:rPr lang="en-US" dirty="0"/>
+              <a:t>implemented to obtain a set of optimal </a:t>
+            </a:r>
+            <a:r>
+              <a:rPr lang="en-US" dirty="0" smtClean="0"/>
+              <a:t>answers.</a:t>
+            </a:r>
+            <a:endParaRPr lang="en-US" dirty="0"/>
+          </a:p>
+        </p:txBody>
+      </p:sp>
+      <p:sp>
+        <p:nvSpPr>
+          <p:cNvPr id="4" name="Номер слайда 3"/>
+          <p:cNvSpPr>
+            <a:spLocks noGrp="1"/>
+          </p:cNvSpPr>
+          <p:nvPr>
+            <p:ph type="sldNum" sz="quarter" idx="12"/>
+          </p:nvPr>
+        </p:nvSpPr>
+        <p:spPr/>
+        <p:txBody>
+          <a:bodyPr/>
+          <a:lstStyle/>
+          <a:p>
+            <a:fld id="{126B33B4-7BE0-4348-A9DB-278B1BC873C0}" type="slidenum">
+              <a:rPr lang="ru-RU" smtClean="0"/>
+              <a:t>20</a:t>
+            </a:fld>
+            <a:endParaRPr lang="ru-RU"/>
           </a:p>
         </p:txBody>
       </p:sp>
     </p:spTree>
     <p:extLst>
       <p:ext uri="{BB962C8B-B14F-4D97-AF65-F5344CB8AC3E}">
-        <p14:creationId xmlns:p14="http://schemas.microsoft.com/office/powerpoint/2010/main" val="686522508"/>
+        <p14:creationId xmlns:p14="http://schemas.microsoft.com/office/powerpoint/2010/main" val="2932108090"/>
       </p:ext>
     </p:extLst>
   </p:cSld>
@@ -6918,7 +7864,7 @@
           <p:cNvPr id="2" name="Заголовок 1">
             <a:extLst>
               <a:ext uri="{FF2B5EF4-FFF2-40B4-BE49-F238E27FC236}">
-                <a16:creationId xmlns:a16="http://schemas.microsoft.com/office/drawing/2014/main" id="{7F81EBDA-8971-4A0C-B44D-923E71A67DE3}"/>
+                <a16:creationId xmlns:a16="http://schemas.microsoft.com/office/drawing/2014/main" id="{2C45BF98-3743-4C78-ABC3-25C01FE0A6B3}"/>
               </a:ext>
             </a:extLst>
           </p:cNvPr>
@@ -6934,10 +7880,6 @@
           <a:bodyPr/>
           <a:lstStyle/>
           <a:p>
-            <a:r>
-              <a:rPr lang="en-US" dirty="0"/>
-              <a:t>Changes</a:t>
-            </a:r>
             <a:endParaRPr lang="ru-RU" dirty="0"/>
           </a:p>
         </p:txBody>
@@ -6947,7 +7889,7 @@
           <p:cNvPr id="3" name="Объект 2">
             <a:extLst>
               <a:ext uri="{FF2B5EF4-FFF2-40B4-BE49-F238E27FC236}">
-                <a16:creationId xmlns:a16="http://schemas.microsoft.com/office/drawing/2014/main" id="{42050A15-7FE6-4CED-86E6-4F1A45C1579A}"/>
+                <a16:creationId xmlns:a16="http://schemas.microsoft.com/office/drawing/2014/main" id="{73848108-3F58-4428-924D-A997239A4CCE}"/>
               </a:ext>
             </a:extLst>
           </p:cNvPr>
@@ -6958,61 +7900,90 @@
             <p:ph idx="1"/>
           </p:nvPr>
         </p:nvSpPr>
-        <p:spPr bwMode="white"/>
+        <p:spPr bwMode="white">
+          <a:xfrm>
+            <a:off x="838200" y="1843042"/>
+            <a:ext cx="10515600" cy="4351338"/>
+          </a:xfrm>
+        </p:spPr>
         <p:txBody>
           <a:bodyPr>
-            <a:normAutofit fontScale="92500" lnSpcReduction="20000"/>
+            <a:normAutofit/>
           </a:bodyPr>
           <a:lstStyle/>
           <a:p>
-            <a:r>
-              <a:rPr lang="en-US" dirty="0"/>
-              <a:t>Considering the vital role of the internal forces on the total stiffness of the robot Stiffness Feasible Workspace (SFW) is introduced</a:t>
-            </a:r>
-          </a:p>
-          <a:p>
-            <a:r>
-              <a:rPr lang="en-US" dirty="0"/>
-              <a:t>Stiffness Number (SN) – indicates the distribution of the stiffness of the structure</a:t>
-            </a:r>
-          </a:p>
-          <a:p>
-            <a:r>
-              <a:rPr lang="en-US" dirty="0"/>
-              <a:t>Design parameters on the SFW volume and SN are studied</a:t>
-            </a:r>
-          </a:p>
-          <a:p>
-            <a:r>
-              <a:rPr lang="en-US" dirty="0"/>
-              <a:t>optimize the design parameters by maximizing the volume of the SFW, WCW, and uniform distribution of the stiffness</a:t>
-            </a:r>
-          </a:p>
-          <a:p>
-            <a:r>
-              <a:rPr lang="en-US" dirty="0"/>
-              <a:t>Was used multi-objective optimization methods</a:t>
-            </a:r>
-          </a:p>
-          <a:p>
-            <a:r>
-              <a:rPr lang="en-US" dirty="0"/>
-              <a:t> evolutionary algorithm (EA) is implemented to obtain a set of optimal answers</a:t>
-            </a:r>
-          </a:p>
-          <a:p>
-            <a:r>
-              <a:rPr lang="en-US" dirty="0"/>
-              <a:t>design parameters based on the application and conditions can be selected from the set of answers.</a:t>
-            </a:r>
             <a:endParaRPr lang="ru-RU" dirty="0"/>
           </a:p>
         </p:txBody>
       </p:sp>
+      <p:sp>
+        <p:nvSpPr>
+          <p:cNvPr id="4" name="Номер слайда 3"/>
+          <p:cNvSpPr>
+            <a:spLocks noGrp="1"/>
+          </p:cNvSpPr>
+          <p:nvPr>
+            <p:ph type="sldNum" sz="quarter" idx="12"/>
+          </p:nvPr>
+        </p:nvSpPr>
+        <p:spPr/>
+        <p:txBody>
+          <a:bodyPr/>
+          <a:lstStyle/>
+          <a:p>
+            <a:fld id="{126B33B4-7BE0-4348-A9DB-278B1BC873C0}" type="slidenum">
+              <a:rPr lang="ru-RU" smtClean="0"/>
+              <a:t>21</a:t>
+            </a:fld>
+            <a:endParaRPr lang="ru-RU"/>
+          </a:p>
+        </p:txBody>
+      </p:sp>
+      <p:pic>
+        <p:nvPicPr>
+          <p:cNvPr id="1026" name="Picture 2" descr="Image result for thank u slide"/>
+          <p:cNvPicPr>
+            <a:picLocks noChangeAspect="1" noChangeArrowheads="1"/>
+          </p:cNvPicPr>
+          <p:nvPr/>
+        </p:nvPicPr>
+        <p:blipFill>
+          <a:blip r:embed="rId2">
+            <a:extLst>
+              <a:ext uri="{28A0092B-C50C-407E-A947-70E740481C1C}">
+                <a14:useLocalDpi xmlns:a14="http://schemas.microsoft.com/office/drawing/2010/main" val="0"/>
+              </a:ext>
+            </a:extLst>
+          </a:blip>
+          <a:srcRect/>
+          <a:stretch>
+            <a:fillRect/>
+          </a:stretch>
+        </p:blipFill>
+        <p:spPr bwMode="auto">
+          <a:xfrm>
+            <a:off x="2513783" y="905692"/>
+            <a:ext cx="7170371" cy="5074240"/>
+          </a:xfrm>
+          <a:prstGeom prst="rect">
+            <a:avLst/>
+          </a:prstGeom>
+          <a:noFill/>
+          <a:extLst>
+            <a:ext uri="{909E8E84-426E-40DD-AFC4-6F175D3DCCD1}">
+              <a14:hiddenFill xmlns:a14="http://schemas.microsoft.com/office/drawing/2010/main">
+                <a:solidFill>
+                  <a:srgbClr val="FFFFFF"/>
+                </a:solidFill>
+              </a14:hiddenFill>
+            </a:ext>
+          </a:extLst>
+        </p:spPr>
+      </p:pic>
     </p:spTree>
     <p:extLst>
       <p:ext uri="{BB962C8B-B14F-4D97-AF65-F5344CB8AC3E}">
-        <p14:creationId xmlns:p14="http://schemas.microsoft.com/office/powerpoint/2010/main" val="2932108090"/>
+        <p14:creationId xmlns:p14="http://schemas.microsoft.com/office/powerpoint/2010/main" val="686522508"/>
       </p:ext>
     </p:extLst>
   </p:cSld>
@@ -7112,8 +8083,13 @@
             </a:pPr>
             <a:r>
               <a:rPr lang="en-US" sz="2800" dirty="0"/>
-              <a:t>can only pull;</a:t>
-            </a:r>
+              <a:t>can only </a:t>
+            </a:r>
+            <a:r>
+              <a:rPr lang="en-US" sz="2800" dirty="0" smtClean="0"/>
+              <a:t>pull.</a:t>
+            </a:r>
+            <a:endParaRPr lang="en-US" sz="2800" dirty="0"/>
           </a:p>
           <a:p>
             <a:pPr marL="285750" indent="-285750">
@@ -7121,31 +8097,6 @@
               <a:buChar char="-"/>
             </a:pPr>
             <a:endParaRPr lang="en-US" sz="2800" dirty="0"/>
-          </a:p>
-        </p:txBody>
-      </p:sp>
-      <p:sp>
-        <p:nvSpPr>
-          <p:cNvPr id="8" name="Объект 7">
-            <a:extLst>
-              <a:ext uri="{FF2B5EF4-FFF2-40B4-BE49-F238E27FC236}">
-                <a16:creationId xmlns:a16="http://schemas.microsoft.com/office/drawing/2014/main" id="{C7105004-F0BF-4DF4-BC2B-C91B6BD6004B}"/>
-              </a:ext>
-            </a:extLst>
-          </p:cNvPr>
-          <p:cNvSpPr>
-            <a:spLocks noGrp="1"/>
-          </p:cNvSpPr>
-          <p:nvPr>
-            <p:ph idx="1"/>
-          </p:nvPr>
-        </p:nvSpPr>
-        <p:spPr/>
-        <p:txBody>
-          <a:bodyPr/>
-          <a:lstStyle/>
-          <a:p>
-            <a:endParaRPr lang="ru-RU"/>
           </a:p>
         </p:txBody>
       </p:sp>
@@ -7179,6 +8130,29 @@
           </a:prstGeom>
         </p:spPr>
       </p:pic>
+      <p:sp>
+        <p:nvSpPr>
+          <p:cNvPr id="3" name="Номер слайда 2"/>
+          <p:cNvSpPr>
+            <a:spLocks noGrp="1"/>
+          </p:cNvSpPr>
+          <p:nvPr>
+            <p:ph type="sldNum" sz="quarter" idx="12"/>
+          </p:nvPr>
+        </p:nvSpPr>
+        <p:spPr/>
+        <p:txBody>
+          <a:bodyPr/>
+          <a:lstStyle/>
+          <a:p>
+            <a:fld id="{126B33B4-7BE0-4348-A9DB-278B1BC873C0}" type="slidenum">
+              <a:rPr lang="ru-RU" smtClean="0"/>
+              <a:t>3</a:t>
+            </a:fld>
+            <a:endParaRPr lang="ru-RU"/>
+          </a:p>
+        </p:txBody>
+      </p:sp>
     </p:spTree>
     <p:extLst>
       <p:ext uri="{BB962C8B-B14F-4D97-AF65-F5344CB8AC3E}">
@@ -7287,6 +8261,29 @@
           </a:p>
         </p:txBody>
       </p:sp>
+      <p:sp>
+        <p:nvSpPr>
+          <p:cNvPr id="4" name="Номер слайда 3"/>
+          <p:cNvSpPr>
+            <a:spLocks noGrp="1"/>
+          </p:cNvSpPr>
+          <p:nvPr>
+            <p:ph type="sldNum" sz="quarter" idx="12"/>
+          </p:nvPr>
+        </p:nvSpPr>
+        <p:spPr/>
+        <p:txBody>
+          <a:bodyPr/>
+          <a:lstStyle/>
+          <a:p>
+            <a:fld id="{126B33B4-7BE0-4348-A9DB-278B1BC873C0}" type="slidenum">
+              <a:rPr lang="ru-RU" smtClean="0"/>
+              <a:t>4</a:t>
+            </a:fld>
+            <a:endParaRPr lang="ru-RU"/>
+          </a:p>
+        </p:txBody>
+      </p:sp>
     </p:spTree>
     <p:extLst>
       <p:ext uri="{BB962C8B-B14F-4D97-AF65-F5344CB8AC3E}">
@@ -7393,6 +8390,29 @@
           </a:p>
         </p:txBody>
       </p:sp>
+      <p:sp>
+        <p:nvSpPr>
+          <p:cNvPr id="4" name="Номер слайда 3"/>
+          <p:cNvSpPr>
+            <a:spLocks noGrp="1"/>
+          </p:cNvSpPr>
+          <p:nvPr>
+            <p:ph type="sldNum" sz="quarter" idx="12"/>
+          </p:nvPr>
+        </p:nvSpPr>
+        <p:spPr/>
+        <p:txBody>
+          <a:bodyPr/>
+          <a:lstStyle/>
+          <a:p>
+            <a:fld id="{126B33B4-7BE0-4348-A9DB-278B1BC873C0}" type="slidenum">
+              <a:rPr lang="ru-RU" smtClean="0"/>
+              <a:t>5</a:t>
+            </a:fld>
+            <a:endParaRPr lang="ru-RU"/>
+          </a:p>
+        </p:txBody>
+      </p:sp>
     </p:spTree>
     <p:extLst>
       <p:ext uri="{BB962C8B-B14F-4D97-AF65-F5344CB8AC3E}">
@@ -7468,27 +8488,55 @@
             <p:ph idx="1"/>
           </p:nvPr>
         </p:nvSpPr>
-        <p:spPr bwMode="white"/>
+        <p:spPr bwMode="white">
+          <a:xfrm>
+            <a:off x="838199" y="1825625"/>
+            <a:ext cx="10752909" cy="4351338"/>
+          </a:xfrm>
+        </p:spPr>
         <p:txBody>
           <a:bodyPr/>
           <a:lstStyle/>
           <a:p>
             <a:r>
               <a:rPr lang="en-US" dirty="0"/>
-              <a:t> are defined as forces in the cables of the mechanism where externally applied wrench is zero</a:t>
-            </a:r>
+              <a:t> are defined as forces in the cables of the mechanism where externally applied wrench is </a:t>
+            </a:r>
+            <a:r>
+              <a:rPr lang="en-US" dirty="0" smtClean="0"/>
+              <a:t>zero;</a:t>
+            </a:r>
+            <a:endParaRPr lang="en-US" dirty="0"/>
           </a:p>
           <a:p>
             <a:r>
               <a:rPr lang="en-US" dirty="0"/>
-              <a:t>stiffness is a function of internal forces, the pose of the end-effector and the geometry of the mechanism, which may apply considerable instability and low position accuracy problems</a:t>
-            </a:r>
+              <a:t>stiffness is a function of internal forces, the pose of the end-effector and the geometry of the mechanism, which may apply considerable instability and low position accuracy </a:t>
+            </a:r>
+            <a:r>
+              <a:rPr lang="en-US" dirty="0" smtClean="0"/>
+              <a:t>problems;</a:t>
+            </a:r>
+            <a:endParaRPr lang="en-US" dirty="0"/>
           </a:p>
           <a:p>
             <a:r>
               <a:rPr lang="en-US" dirty="0"/>
-              <a:t>Stiffness matrix of CDPRs considering four spring model for the cables</a:t>
-            </a:r>
+              <a:t>s</a:t>
+            </a:r>
+            <a:r>
+              <a:rPr lang="en-US" dirty="0" smtClean="0"/>
+              <a:t>tiffness </a:t>
+            </a:r>
+            <a:r>
+              <a:rPr lang="en-US" dirty="0"/>
+              <a:t>matrix of CDPRs considering four spring model for the </a:t>
+            </a:r>
+            <a:r>
+              <a:rPr lang="en-US" dirty="0" smtClean="0"/>
+              <a:t>cables;</a:t>
+            </a:r>
+            <a:endParaRPr lang="en-US" dirty="0"/>
           </a:p>
           <a:p>
             <a:r>
@@ -7496,6 +8544,29 @@
               <a:t>stiffness of the CDPRs is the summation of two stiffnesses: stiffness of the cables and stiffness of the internal forces.</a:t>
             </a:r>
             <a:endParaRPr lang="ru-RU" dirty="0"/>
+          </a:p>
+        </p:txBody>
+      </p:sp>
+      <p:sp>
+        <p:nvSpPr>
+          <p:cNvPr id="4" name="Номер слайда 3"/>
+          <p:cNvSpPr>
+            <a:spLocks noGrp="1"/>
+          </p:cNvSpPr>
+          <p:nvPr>
+            <p:ph type="sldNum" sz="quarter" idx="12"/>
+          </p:nvPr>
+        </p:nvSpPr>
+        <p:spPr/>
+        <p:txBody>
+          <a:bodyPr/>
+          <a:lstStyle/>
+          <a:p>
+            <a:fld id="{126B33B4-7BE0-4348-A9DB-278B1BC873C0}" type="slidenum">
+              <a:rPr lang="ru-RU" smtClean="0"/>
+              <a:t>6</a:t>
+            </a:fld>
+            <a:endParaRPr lang="ru-RU"/>
           </a:p>
         </p:txBody>
       </p:sp>
@@ -7545,15 +8616,25 @@
             <p:ph type="title"/>
           </p:nvPr>
         </p:nvSpPr>
-        <p:spPr bwMode="white"/>
-        <p:txBody>
-          <a:bodyPr/>
+        <p:spPr bwMode="white">
+          <a:xfrm>
+            <a:off x="838200" y="757011"/>
+            <a:ext cx="10515600" cy="1325563"/>
+          </a:xfrm>
+        </p:spPr>
+        <p:txBody>
+          <a:bodyPr>
+            <a:normAutofit fontScale="90000"/>
+          </a:bodyPr>
           <a:lstStyle/>
           <a:p>
             <a:r>
               <a:rPr lang="en-US" dirty="0"/>
-              <a:t>Stability</a:t>
-            </a:r>
+              <a:t>Stability - end-effector’s tendency to return to the static equilibrium when robot undergoes an external disturbance</a:t>
+            </a:r>
+            <a:br>
+              <a:rPr lang="en-US" dirty="0"/>
+            </a:br>
             <a:endParaRPr lang="ru-RU" dirty="0"/>
           </a:p>
         </p:txBody>
@@ -7574,72 +8655,171 @@
             <p:ph idx="1"/>
           </p:nvPr>
         </p:nvSpPr>
-        <p:spPr bwMode="white"/>
+        <p:spPr bwMode="white">
+          <a:xfrm>
+            <a:off x="838200" y="2370137"/>
+            <a:ext cx="10515600" cy="4351338"/>
+          </a:xfrm>
+        </p:spPr>
         <p:txBody>
           <a:bodyPr>
-            <a:normAutofit fontScale="62500" lnSpcReduction="20000"/>
+            <a:normAutofit fontScale="85000" lnSpcReduction="10000"/>
           </a:bodyPr>
           <a:lstStyle/>
           <a:p>
+            <a:pPr marL="0" indent="0">
+              <a:buNone/>
+            </a:pPr>
+            <a:r>
+              <a:rPr lang="en-US" dirty="0" smtClean="0"/>
+              <a:t>Previous researches:</a:t>
+            </a:r>
+          </a:p>
+          <a:p>
+            <a:r>
+              <a:rPr lang="en-US" dirty="0" smtClean="0"/>
+              <a:t>Cables </a:t>
+            </a:r>
             <a:r>
               <a:rPr lang="en-US" dirty="0"/>
-              <a:t>end-effector’s tendency to return to the static equilibrium when robot undergoes an external disturbance</a:t>
-            </a:r>
+              <a:t>must be taut in the whole maneuver space of the robot such as WCW and </a:t>
+            </a:r>
+            <a:r>
+              <a:rPr lang="en-US" dirty="0" smtClean="0"/>
+              <a:t>WFW;</a:t>
+            </a:r>
+            <a:endParaRPr lang="en-US" dirty="0"/>
           </a:p>
           <a:p>
             <a:r>
               <a:rPr lang="en-US" dirty="0"/>
-              <a:t>HOW WAS: cables must be taut in the whole maneuver space of the robot such as WCW and WFW</a:t>
-            </a:r>
-          </a:p>
-          <a:p>
+              <a:t>stiffness </a:t>
+            </a:r>
+            <a:r>
+              <a:rPr lang="en-US" dirty="0" smtClean="0"/>
+              <a:t>is a simple </a:t>
+            </a:r>
             <a:r>
               <a:rPr lang="en-US" dirty="0"/>
-              <a:t>HOW WAS: simple scalar index to quantify the magnitude of the stiffness</a:t>
-            </a:r>
-          </a:p>
-          <a:p>
+              <a:t>scalar </a:t>
+            </a:r>
+            <a:r>
+              <a:rPr lang="en-US" dirty="0" smtClean="0"/>
+              <a:t>index;</a:t>
+            </a:r>
+          </a:p>
+          <a:p>
+            <a:r>
+              <a:rPr lang="en-US" dirty="0" smtClean="0"/>
+              <a:t>motions </a:t>
+            </a:r>
             <a:r>
               <a:rPr lang="en-US" dirty="0"/>
-              <a:t>HW: studied motions and location of pulley blocks of CDPR as a function of the pose of the end-effector to optimize stiffness and dexterity</a:t>
-            </a:r>
-          </a:p>
-          <a:p>
+              <a:t>and location of pulley blocks of CDPR </a:t>
+            </a:r>
             <a:r>
               <a:rPr lang="en-US" dirty="0"/>
-              <a:t>HW: mechanical structure and the geometry configurations of the CDPR are optimized</a:t>
-            </a:r>
-          </a:p>
-          <a:p>
+              <a:t>-</a:t>
+            </a:r>
+            <a:r>
+              <a:rPr lang="en-US" dirty="0" smtClean="0"/>
+              <a:t> </a:t>
+            </a:r>
             <a:r>
               <a:rPr lang="en-US" dirty="0"/>
-              <a:t>HW: mechanical approach to achieve optimal stiffness, a couple of springs are attached to the direction of cables in the cable mobile robot</a:t>
-            </a:r>
+              <a:t>function of the pose of the end-effector to optimize stiffness and </a:t>
+            </a:r>
+            <a:r>
+              <a:rPr lang="en-US" dirty="0" smtClean="0"/>
+              <a:t>dexterity;</a:t>
+            </a:r>
+            <a:endParaRPr lang="en-US" dirty="0"/>
           </a:p>
           <a:p>
             <a:r>
               <a:rPr lang="en-US" dirty="0"/>
-              <a:t>HW: used actuation redundancy to achieve the desired end-effector stiffness</a:t>
-            </a:r>
-          </a:p>
-          <a:p>
+              <a:t>o</a:t>
+            </a:r>
+            <a:r>
+              <a:rPr lang="en-US" dirty="0" smtClean="0"/>
+              <a:t>ptimized mechanical </a:t>
+            </a:r>
             <a:r>
               <a:rPr lang="en-US" dirty="0"/>
-              <a:t>HW: used actuation redundancy to achieve the desired end-effector stiffness</a:t>
-            </a:r>
-          </a:p>
-          <a:p>
+              <a:t>structure and the geometry configurations of the </a:t>
+            </a:r>
+            <a:r>
+              <a:rPr lang="en-US" dirty="0" smtClean="0"/>
+              <a:t>CDPR;</a:t>
+            </a:r>
+            <a:endParaRPr lang="en-US" dirty="0"/>
+          </a:p>
+          <a:p>
+            <a:r>
+              <a:rPr lang="en-US" dirty="0" smtClean="0"/>
+              <a:t>mechanical </a:t>
+            </a:r>
             <a:r>
               <a:rPr lang="en-US" dirty="0"/>
-              <a:t>HW: min lowest natural frequencies as an objective function in the design of CDPR for warehousing applications</a:t>
-            </a:r>
-          </a:p>
-          <a:p>
+              <a:t>approach to achieve optimal stiffness, a couple of springs are attached to the direction of cables in the cable mobile </a:t>
+            </a:r>
+            <a:r>
+              <a:rPr lang="en-US" dirty="0" smtClean="0"/>
+              <a:t>robot;</a:t>
+            </a:r>
+            <a:endParaRPr lang="en-US" dirty="0"/>
+          </a:p>
+          <a:p>
+            <a:r>
+              <a:rPr lang="en-US" dirty="0" smtClean="0"/>
+              <a:t>used </a:t>
+            </a:r>
             <a:r>
               <a:rPr lang="en-US" dirty="0"/>
-              <a:t>HW: the position of the cable attachment points are identified</a:t>
-            </a:r>
-            <a:endParaRPr lang="ru-RU" dirty="0"/>
+              <a:t>actuation redundancy to achieve the desired end-effector </a:t>
+            </a:r>
+            <a:r>
+              <a:rPr lang="en-US" dirty="0" smtClean="0"/>
+              <a:t>stiffness;</a:t>
+            </a:r>
+            <a:endParaRPr lang="en-US" dirty="0"/>
+          </a:p>
+          <a:p>
+            <a:r>
+              <a:rPr lang="en-US" dirty="0" smtClean="0"/>
+              <a:t>min </a:t>
+            </a:r>
+            <a:r>
+              <a:rPr lang="en-US" dirty="0"/>
+              <a:t>lowest natural frequencies as an objective function in the design of </a:t>
+            </a:r>
+            <a:r>
+              <a:rPr lang="en-US" dirty="0" smtClean="0"/>
+              <a:t>CDPR.</a:t>
+            </a:r>
+          </a:p>
+        </p:txBody>
+      </p:sp>
+      <p:sp>
+        <p:nvSpPr>
+          <p:cNvPr id="4" name="Номер слайда 3"/>
+          <p:cNvSpPr>
+            <a:spLocks noGrp="1"/>
+          </p:cNvSpPr>
+          <p:nvPr>
+            <p:ph type="sldNum" sz="quarter" idx="12"/>
+          </p:nvPr>
+        </p:nvSpPr>
+        <p:spPr/>
+        <p:txBody>
+          <a:bodyPr/>
+          <a:lstStyle/>
+          <a:p>
+            <a:fld id="{126B33B4-7BE0-4348-A9DB-278B1BC873C0}" type="slidenum">
+              <a:rPr lang="ru-RU" smtClean="0"/>
+              <a:t>7</a:t>
+            </a:fld>
+            <a:endParaRPr lang="ru-RU"/>
           </a:p>
         </p:txBody>
       </p:sp>
@@ -7725,15 +8905,55 @@
           <a:p>
             <a:r>
               <a:rPr lang="en-US" dirty="0"/>
-              <a:t>none of the abovementioned studies has not specified a set of poses of the end effector as a workspace where the robot could use allowable values of internal forces for modifying the total stiffness of the robot</a:t>
-            </a:r>
+              <a:t>none of the abovementioned studies has not specified a set of poses of the end effector as a workspace where the robot could use allowable values of internal forces for modifying the total stiffness of the </a:t>
+            </a:r>
+            <a:r>
+              <a:rPr lang="en-US" dirty="0" smtClean="0"/>
+              <a:t>robot;</a:t>
+            </a:r>
+            <a:endParaRPr lang="en-US" dirty="0"/>
           </a:p>
           <a:p>
             <a:r>
               <a:rPr lang="en-US" dirty="0"/>
-              <a:t>Because of this cable robot always endures a concern of unexpected collapse and vibration in the aforementioned workspaces</a:t>
+              <a:t>b</a:t>
+            </a:r>
+            <a:r>
+              <a:rPr lang="en-US" dirty="0" smtClean="0"/>
+              <a:t>ecause </a:t>
+            </a:r>
+            <a:r>
+              <a:rPr lang="en-US" dirty="0"/>
+              <a:t>of this cable robot always endures a concern of unexpected collapse and vibration in the aforementioned </a:t>
+            </a:r>
+            <a:r>
+              <a:rPr lang="en-US" dirty="0" smtClean="0"/>
+              <a:t>workspaces.</a:t>
             </a:r>
             <a:endParaRPr lang="ru-RU" dirty="0"/>
+          </a:p>
+        </p:txBody>
+      </p:sp>
+      <p:sp>
+        <p:nvSpPr>
+          <p:cNvPr id="4" name="Номер слайда 3"/>
+          <p:cNvSpPr>
+            <a:spLocks noGrp="1"/>
+          </p:cNvSpPr>
+          <p:nvPr>
+            <p:ph type="sldNum" sz="quarter" idx="12"/>
+          </p:nvPr>
+        </p:nvSpPr>
+        <p:spPr/>
+        <p:txBody>
+          <a:bodyPr/>
+          <a:lstStyle/>
+          <a:p>
+            <a:fld id="{126B33B4-7BE0-4348-A9DB-278B1BC873C0}" type="slidenum">
+              <a:rPr lang="ru-RU" smtClean="0"/>
+              <a:t>8</a:t>
+            </a:fld>
+            <a:endParaRPr lang="ru-RU"/>
           </a:p>
         </p:txBody>
       </p:sp>
@@ -8006,8 +9226,8 @@
                   <a:t> - vector of the </a:t>
                 </a:r>
                 <a:r>
-                  <a:rPr lang="en-US" dirty="0" err="1"/>
-                  <a:t>cableforce</a:t>
+                  <a:rPr lang="en-US" dirty="0" smtClean="0"/>
+                  <a:t>cable force</a:t>
                 </a:r>
                 <a:endParaRPr lang="en-US" dirty="0"/>
               </a:p>
@@ -8538,14 +9758,7 @@
                         <a:latin typeface="Cambria Math" panose="02040503050406030204" pitchFamily="18" charset="0"/>
                         <a:ea typeface="Cambria Math" panose="02040503050406030204" pitchFamily="18" charset="0"/>
                       </a:rPr>
-                      <m:t>,</m:t>
-                    </m:r>
-                    <m:r>
-                      <a:rPr lang="en-US" b="0" i="1" smtClean="0">
-                        <a:latin typeface="Cambria Math" panose="02040503050406030204" pitchFamily="18" charset="0"/>
-                        <a:ea typeface="Cambria Math" panose="02040503050406030204" pitchFamily="18" charset="0"/>
-                      </a:rPr>
-                      <m:t>…, </m:t>
+                      <m:t>,…, </m:t>
                     </m:r>
                     <m:sSub>
                       <m:sSubPr>
@@ -8736,6 +9949,29 @@
           </p:sp>
         </mc:Fallback>
       </mc:AlternateContent>
+      <p:sp>
+        <p:nvSpPr>
+          <p:cNvPr id="4" name="Номер слайда 3"/>
+          <p:cNvSpPr>
+            <a:spLocks noGrp="1"/>
+          </p:cNvSpPr>
+          <p:nvPr>
+            <p:ph type="sldNum" sz="quarter" idx="12"/>
+          </p:nvPr>
+        </p:nvSpPr>
+        <p:spPr/>
+        <p:txBody>
+          <a:bodyPr/>
+          <a:lstStyle/>
+          <a:p>
+            <a:fld id="{126B33B4-7BE0-4348-A9DB-278B1BC873C0}" type="slidenum">
+              <a:rPr lang="ru-RU" smtClean="0"/>
+              <a:t>9</a:t>
+            </a:fld>
+            <a:endParaRPr lang="ru-RU"/>
+          </a:p>
+        </p:txBody>
+      </p:sp>
     </p:spTree>
     <p:extLst>
       <p:ext uri="{BB962C8B-B14F-4D97-AF65-F5344CB8AC3E}">
@@ -9042,4 +10278,265 @@
     </a:ext>
   </a:extLst>
 </a:theme>
+</file>
+
+<file path=ppt/theme/theme2.xml><?xml version="1.0" encoding="utf-8"?>
+<a:theme xmlns:a="http://schemas.openxmlformats.org/drawingml/2006/main" name="Тема Office">
+  <a:themeElements>
+    <a:clrScheme name="Стандартная">
+      <a:dk1>
+        <a:sysClr val="windowText" lastClr="000000"/>
+      </a:dk1>
+      <a:lt1>
+        <a:sysClr val="window" lastClr="FFFFFF"/>
+      </a:lt1>
+      <a:dk2>
+        <a:srgbClr val="44546A"/>
+      </a:dk2>
+      <a:lt2>
+        <a:srgbClr val="E7E6E6"/>
+      </a:lt2>
+      <a:accent1>
+        <a:srgbClr val="5B9BD5"/>
+      </a:accent1>
+      <a:accent2>
+        <a:srgbClr val="ED7D31"/>
+      </a:accent2>
+      <a:accent3>
+        <a:srgbClr val="A5A5A5"/>
+      </a:accent3>
+      <a:accent4>
+        <a:srgbClr val="FFC000"/>
+      </a:accent4>
+      <a:accent5>
+        <a:srgbClr val="4472C4"/>
+      </a:accent5>
+      <a:accent6>
+        <a:srgbClr val="70AD47"/>
+      </a:accent6>
+      <a:hlink>
+        <a:srgbClr val="0563C1"/>
+      </a:hlink>
+      <a:folHlink>
+        <a:srgbClr val="954F72"/>
+      </a:folHlink>
+    </a:clrScheme>
+    <a:fontScheme name="Стандартная">
+      <a:majorFont>
+        <a:latin typeface="Calibri Light" panose="020F0302020204030204"/>
+        <a:ea typeface=""/>
+        <a:cs typeface=""/>
+        <a:font script="Jpan" typeface="游ゴシック Light"/>
+        <a:font script="Hang" typeface="맑은 고딕"/>
+        <a:font script="Hans" typeface="等线 Light"/>
+        <a:font script="Hant" typeface="新細明體"/>
+        <a:font script="Arab" typeface="Times New Roman"/>
+        <a:font script="Hebr" typeface="Times New Roman"/>
+        <a:font script="Thai" typeface="Angsana New"/>
+        <a:font script="Ethi" typeface="Nyala"/>
+        <a:font script="Beng" typeface="Vrinda"/>
+        <a:font script="Gujr" typeface="Shruti"/>
+        <a:font script="Khmr" typeface="MoolBoran"/>
+        <a:font script="Knda" typeface="Tunga"/>
+        <a:font script="Guru" typeface="Raavi"/>
+        <a:font script="Cans" typeface="Euphemia"/>
+        <a:font script="Cher" typeface="Plantagenet Cherokee"/>
+        <a:font script="Yiii" typeface="Microsoft Yi Baiti"/>
+        <a:font script="Tibt" typeface="Microsoft Himalaya"/>
+        <a:font script="Thaa" typeface="MV Boli"/>
+        <a:font script="Deva" typeface="Mangal"/>
+        <a:font script="Telu" typeface="Gautami"/>
+        <a:font script="Taml" typeface="Latha"/>
+        <a:font script="Syrc" typeface="Estrangelo Edessa"/>
+        <a:font script="Orya" typeface="Kalinga"/>
+        <a:font script="Mlym" typeface="Kartika"/>
+        <a:font script="Laoo" typeface="DokChampa"/>
+        <a:font script="Sinh" typeface="Iskoola Pota"/>
+        <a:font script="Mong" typeface="Mongolian Baiti"/>
+        <a:font script="Viet" typeface="Times New Roman"/>
+        <a:font script="Uigh" typeface="Microsoft Uighur"/>
+        <a:font script="Geor" typeface="Sylfaen"/>
+      </a:majorFont>
+      <a:minorFont>
+        <a:latin typeface="Calibri" panose="020F0502020204030204"/>
+        <a:ea typeface=""/>
+        <a:cs typeface=""/>
+        <a:font script="Jpan" typeface="游ゴシック"/>
+        <a:font script="Hang" typeface="맑은 고딕"/>
+        <a:font script="Hans" typeface="等线"/>
+        <a:font script="Hant" typeface="新細明體"/>
+        <a:font script="Arab" typeface="Arial"/>
+        <a:font script="Hebr" typeface="Arial"/>
+        <a:font script="Thai" typeface="Cordia New"/>
+        <a:font script="Ethi" typeface="Nyala"/>
+        <a:font script="Beng" typeface="Vrinda"/>
+        <a:font script="Gujr" typeface="Shruti"/>
+        <a:font script="Khmr" typeface="DaunPenh"/>
+        <a:font script="Knda" typeface="Tunga"/>
+        <a:font script="Guru" typeface="Raavi"/>
+        <a:font script="Cans" typeface="Euphemia"/>
+        <a:font script="Cher" typeface="Plantagenet Cherokee"/>
+        <a:font script="Yiii" typeface="Microsoft Yi Baiti"/>
+        <a:font script="Tibt" typeface="Microsoft Himalaya"/>
+        <a:font script="Thaa" typeface="MV Boli"/>
+        <a:font script="Deva" typeface="Mangal"/>
+        <a:font script="Telu" typeface="Gautami"/>
+        <a:font script="Taml" typeface="Latha"/>
+        <a:font script="Syrc" typeface="Estrangelo Edessa"/>
+        <a:font script="Orya" typeface="Kalinga"/>
+        <a:font script="Mlym" typeface="Kartika"/>
+        <a:font script="Laoo" typeface="DokChampa"/>
+        <a:font script="Sinh" typeface="Iskoola Pota"/>
+        <a:font script="Mong" typeface="Mongolian Baiti"/>
+        <a:font script="Viet" typeface="Arial"/>
+        <a:font script="Uigh" typeface="Microsoft Uighur"/>
+        <a:font script="Geor" typeface="Sylfaen"/>
+      </a:minorFont>
+    </a:fontScheme>
+    <a:fmtScheme name="Стандартная">
+      <a:fillStyleLst>
+        <a:solidFill>
+          <a:schemeClr val="phClr"/>
+        </a:solidFill>
+        <a:gradFill rotWithShape="1">
+          <a:gsLst>
+            <a:gs pos="0">
+              <a:schemeClr val="phClr">
+                <a:lumMod val="110000"/>
+                <a:satMod val="105000"/>
+                <a:tint val="67000"/>
+              </a:schemeClr>
+            </a:gs>
+            <a:gs pos="50000">
+              <a:schemeClr val="phClr">
+                <a:lumMod val="105000"/>
+                <a:satMod val="103000"/>
+                <a:tint val="73000"/>
+              </a:schemeClr>
+            </a:gs>
+            <a:gs pos="100000">
+              <a:schemeClr val="phClr">
+                <a:lumMod val="105000"/>
+                <a:satMod val="109000"/>
+                <a:tint val="81000"/>
+              </a:schemeClr>
+            </a:gs>
+          </a:gsLst>
+          <a:lin ang="5400000" scaled="0"/>
+        </a:gradFill>
+        <a:gradFill rotWithShape="1">
+          <a:gsLst>
+            <a:gs pos="0">
+              <a:schemeClr val="phClr">
+                <a:satMod val="103000"/>
+                <a:lumMod val="102000"/>
+                <a:tint val="94000"/>
+              </a:schemeClr>
+            </a:gs>
+            <a:gs pos="50000">
+              <a:schemeClr val="phClr">
+                <a:satMod val="110000"/>
+                <a:lumMod val="100000"/>
+                <a:shade val="100000"/>
+              </a:schemeClr>
+            </a:gs>
+            <a:gs pos="100000">
+              <a:schemeClr val="phClr">
+                <a:lumMod val="99000"/>
+                <a:satMod val="120000"/>
+                <a:shade val="78000"/>
+              </a:schemeClr>
+            </a:gs>
+          </a:gsLst>
+          <a:lin ang="5400000" scaled="0"/>
+        </a:gradFill>
+      </a:fillStyleLst>
+      <a:lnStyleLst>
+        <a:ln w="6350" cap="flat" cmpd="sng" algn="ctr">
+          <a:solidFill>
+            <a:schemeClr val="phClr"/>
+          </a:solidFill>
+          <a:prstDash val="solid"/>
+          <a:miter lim="800000"/>
+        </a:ln>
+        <a:ln w="12700" cap="flat" cmpd="sng" algn="ctr">
+          <a:solidFill>
+            <a:schemeClr val="phClr"/>
+          </a:solidFill>
+          <a:prstDash val="solid"/>
+          <a:miter lim="800000"/>
+        </a:ln>
+        <a:ln w="19050" cap="flat" cmpd="sng" algn="ctr">
+          <a:solidFill>
+            <a:schemeClr val="phClr"/>
+          </a:solidFill>
+          <a:prstDash val="solid"/>
+          <a:miter lim="800000"/>
+        </a:ln>
+      </a:lnStyleLst>
+      <a:effectStyleLst>
+        <a:effectStyle>
+          <a:effectLst/>
+        </a:effectStyle>
+        <a:effectStyle>
+          <a:effectLst/>
+        </a:effectStyle>
+        <a:effectStyle>
+          <a:effectLst>
+            <a:outerShdw blurRad="57150" dist="19050" dir="5400000" algn="ctr" rotWithShape="0">
+              <a:srgbClr val="000000">
+                <a:alpha val="63000"/>
+              </a:srgbClr>
+            </a:outerShdw>
+          </a:effectLst>
+        </a:effectStyle>
+      </a:effectStyleLst>
+      <a:bgFillStyleLst>
+        <a:solidFill>
+          <a:schemeClr val="phClr"/>
+        </a:solidFill>
+        <a:solidFill>
+          <a:schemeClr val="phClr">
+            <a:tint val="95000"/>
+            <a:satMod val="170000"/>
+          </a:schemeClr>
+        </a:solidFill>
+        <a:gradFill rotWithShape="1">
+          <a:gsLst>
+            <a:gs pos="0">
+              <a:schemeClr val="phClr">
+                <a:tint val="93000"/>
+                <a:satMod val="150000"/>
+                <a:shade val="98000"/>
+                <a:lumMod val="102000"/>
+              </a:schemeClr>
+            </a:gs>
+            <a:gs pos="50000">
+              <a:schemeClr val="phClr">
+                <a:tint val="98000"/>
+                <a:satMod val="130000"/>
+                <a:shade val="90000"/>
+                <a:lumMod val="103000"/>
+              </a:schemeClr>
+            </a:gs>
+            <a:gs pos="100000">
+              <a:schemeClr val="phClr">
+                <a:shade val="63000"/>
+                <a:satMod val="120000"/>
+              </a:schemeClr>
+            </a:gs>
+          </a:gsLst>
+          <a:lin ang="5400000" scaled="0"/>
+        </a:gradFill>
+      </a:bgFillStyleLst>
+    </a:fmtScheme>
+  </a:themeElements>
+  <a:objectDefaults/>
+  <a:extraClrSchemeLst/>
+  <a:extLst>
+    <a:ext uri="{05A4C25C-085E-4340-85A3-A5531E510DB2}">
+      <thm15:themeFamily xmlns:thm15="http://schemas.microsoft.com/office/thememl/2012/main" name="Office Theme" id="{62F939B6-93AF-4DB8-9C6B-D6C7DFDC589F}" vid="{4A3C46E8-61CC-4603-A589-7422A47A8E4A}"/>
+    </a:ext>
+  </a:extLst>
+</a:theme>
 </file>